--- a/Documentation/notejam.pptx
+++ b/Documentation/notejam.pptx
@@ -10,7 +10,9 @@
     <p:sldId id="258" r:id="rId7"/>
     <p:sldId id="259" r:id="rId8"/>
     <p:sldId id="260" r:id="rId9"/>
-    <p:sldId id="261" r:id="rId10"/>
+    <p:sldId id="262" r:id="rId10"/>
+    <p:sldId id="263" r:id="rId11"/>
+    <p:sldId id="261" r:id="rId12"/>
   </p:sldIdLst>
   <p:sldSz cx="12192000" cy="6858000"/>
   <p:notesSz cx="6858000" cy="9144000"/>
@@ -109,6 +111,11 @@
       </a:defRPr>
     </a:lvl9pPr>
   </p:defaultTextStyle>
+  <p:extLst>
+    <p:ext uri="{EFAFB233-063F-42B5-8137-9DF3F51BA10A}">
+      <p15:sldGuideLst xmlns:p15="http://schemas.microsoft.com/office/powerpoint/2012/main"/>
+    </p:ext>
+  </p:extLst>
 </p:presentation>
 </file>
 
@@ -281,7 +288,7 @@
           <a:p>
             <a:fld id="{7EFDC30E-1555-4232-A85C-ED0A57DB81A3}" type="datetimeFigureOut">
               <a:rPr lang="nl-NL" smtClean="0"/>
-              <a:t>18-2-2021</a:t>
+              <a:t>27-2-2021</a:t>
             </a:fld>
             <a:endParaRPr lang="nl-NL"/>
           </a:p>
@@ -481,7 +488,7 @@
           <a:p>
             <a:fld id="{7EFDC30E-1555-4232-A85C-ED0A57DB81A3}" type="datetimeFigureOut">
               <a:rPr lang="nl-NL" smtClean="0"/>
-              <a:t>18-2-2021</a:t>
+              <a:t>27-2-2021</a:t>
             </a:fld>
             <a:endParaRPr lang="nl-NL"/>
           </a:p>
@@ -691,7 +698,7 @@
           <a:p>
             <a:fld id="{7EFDC30E-1555-4232-A85C-ED0A57DB81A3}" type="datetimeFigureOut">
               <a:rPr lang="nl-NL" smtClean="0"/>
-              <a:t>18-2-2021</a:t>
+              <a:t>27-2-2021</a:t>
             </a:fld>
             <a:endParaRPr lang="nl-NL"/>
           </a:p>
@@ -891,7 +898,7 @@
           <a:p>
             <a:fld id="{7EFDC30E-1555-4232-A85C-ED0A57DB81A3}" type="datetimeFigureOut">
               <a:rPr lang="nl-NL" smtClean="0"/>
-              <a:t>18-2-2021</a:t>
+              <a:t>27-2-2021</a:t>
             </a:fld>
             <a:endParaRPr lang="nl-NL"/>
           </a:p>
@@ -1167,7 +1174,7 @@
           <a:p>
             <a:fld id="{7EFDC30E-1555-4232-A85C-ED0A57DB81A3}" type="datetimeFigureOut">
               <a:rPr lang="nl-NL" smtClean="0"/>
-              <a:t>18-2-2021</a:t>
+              <a:t>27-2-2021</a:t>
             </a:fld>
             <a:endParaRPr lang="nl-NL"/>
           </a:p>
@@ -1435,7 +1442,7 @@
           <a:p>
             <a:fld id="{7EFDC30E-1555-4232-A85C-ED0A57DB81A3}" type="datetimeFigureOut">
               <a:rPr lang="nl-NL" smtClean="0"/>
-              <a:t>18-2-2021</a:t>
+              <a:t>27-2-2021</a:t>
             </a:fld>
             <a:endParaRPr lang="nl-NL"/>
           </a:p>
@@ -1850,7 +1857,7 @@
           <a:p>
             <a:fld id="{7EFDC30E-1555-4232-A85C-ED0A57DB81A3}" type="datetimeFigureOut">
               <a:rPr lang="nl-NL" smtClean="0"/>
-              <a:t>18-2-2021</a:t>
+              <a:t>27-2-2021</a:t>
             </a:fld>
             <a:endParaRPr lang="nl-NL"/>
           </a:p>
@@ -1992,7 +1999,7 @@
           <a:p>
             <a:fld id="{7EFDC30E-1555-4232-A85C-ED0A57DB81A3}" type="datetimeFigureOut">
               <a:rPr lang="nl-NL" smtClean="0"/>
-              <a:t>18-2-2021</a:t>
+              <a:t>27-2-2021</a:t>
             </a:fld>
             <a:endParaRPr lang="nl-NL"/>
           </a:p>
@@ -2105,7 +2112,7 @@
           <a:p>
             <a:fld id="{7EFDC30E-1555-4232-A85C-ED0A57DB81A3}" type="datetimeFigureOut">
               <a:rPr lang="nl-NL" smtClean="0"/>
-              <a:t>18-2-2021</a:t>
+              <a:t>27-2-2021</a:t>
             </a:fld>
             <a:endParaRPr lang="nl-NL"/>
           </a:p>
@@ -2418,7 +2425,7 @@
           <a:p>
             <a:fld id="{7EFDC30E-1555-4232-A85C-ED0A57DB81A3}" type="datetimeFigureOut">
               <a:rPr lang="nl-NL" smtClean="0"/>
-              <a:t>18-2-2021</a:t>
+              <a:t>27-2-2021</a:t>
             </a:fld>
             <a:endParaRPr lang="nl-NL"/>
           </a:p>
@@ -2707,7 +2714,7 @@
           <a:p>
             <a:fld id="{7EFDC30E-1555-4232-A85C-ED0A57DB81A3}" type="datetimeFigureOut">
               <a:rPr lang="nl-NL" smtClean="0"/>
-              <a:t>18-2-2021</a:t>
+              <a:t>27-2-2021</a:t>
             </a:fld>
             <a:endParaRPr lang="nl-NL"/>
           </a:p>
@@ -2950,7 +2957,7 @@
           <a:p>
             <a:fld id="{7EFDC30E-1555-4232-A85C-ED0A57DB81A3}" type="datetimeFigureOut">
               <a:rPr lang="nl-NL" smtClean="0"/>
-              <a:t>18-2-2021</a:t>
+              <a:t>27-2-2021</a:t>
             </a:fld>
             <a:endParaRPr lang="nl-NL"/>
           </a:p>
@@ -7290,6 +7297,612 @@
 </file>
 
 <file path=ppt/slides/slide6.xml><?xml version="1.0" encoding="utf-8"?>
+<p:sld xmlns:a="http://schemas.openxmlformats.org/drawingml/2006/main" xmlns:r="http://schemas.openxmlformats.org/officeDocument/2006/relationships" xmlns:p="http://schemas.openxmlformats.org/presentationml/2006/main">
+  <p:cSld>
+    <p:bg>
+      <p:bgPr>
+        <a:gradFill>
+          <a:gsLst>
+            <a:gs pos="14000">
+              <a:schemeClr val="accent1">
+                <a:lumMod val="5000"/>
+                <a:lumOff val="95000"/>
+              </a:schemeClr>
+            </a:gs>
+            <a:gs pos="74000">
+              <a:schemeClr val="accent1">
+                <a:lumMod val="45000"/>
+                <a:lumOff val="55000"/>
+              </a:schemeClr>
+            </a:gs>
+            <a:gs pos="83000">
+              <a:schemeClr val="accent1">
+                <a:lumMod val="45000"/>
+                <a:lumOff val="55000"/>
+              </a:schemeClr>
+            </a:gs>
+            <a:gs pos="100000">
+              <a:schemeClr val="accent1">
+                <a:lumMod val="30000"/>
+                <a:lumOff val="70000"/>
+              </a:schemeClr>
+            </a:gs>
+          </a:gsLst>
+          <a:lin ang="5400000" scaled="1"/>
+        </a:gradFill>
+        <a:effectLst/>
+      </p:bgPr>
+    </p:bg>
+    <p:spTree>
+      <p:nvGrpSpPr>
+        <p:cNvPr id="1" name=""/>
+        <p:cNvGrpSpPr/>
+        <p:nvPr/>
+      </p:nvGrpSpPr>
+      <p:grpSpPr>
+        <a:xfrm>
+          <a:off x="0" y="0"/>
+          <a:ext cx="0" cy="0"/>
+          <a:chOff x="0" y="0"/>
+          <a:chExt cx="0" cy="0"/>
+        </a:xfrm>
+      </p:grpSpPr>
+      <p:sp>
+        <p:nvSpPr>
+          <p:cNvPr id="2" name="Title 1">
+            <a:extLst>
+              <a:ext uri="{FF2B5EF4-FFF2-40B4-BE49-F238E27FC236}">
+                <a16:creationId xmlns:a16="http://schemas.microsoft.com/office/drawing/2014/main" id="{09ED5F53-F99A-4010-B161-C3CE08DC94E5}"/>
+              </a:ext>
+            </a:extLst>
+          </p:cNvPr>
+          <p:cNvSpPr>
+            <a:spLocks noGrp="1"/>
+          </p:cNvSpPr>
+          <p:nvPr>
+            <p:ph type="title"/>
+          </p:nvPr>
+        </p:nvSpPr>
+        <p:spPr>
+          <a:xfrm>
+            <a:off x="838200" y="365125"/>
+            <a:ext cx="10515600" cy="633165"/>
+          </a:xfrm>
+        </p:spPr>
+        <p:txBody>
+          <a:bodyPr>
+            <a:normAutofit fontScale="90000"/>
+          </a:bodyPr>
+          <a:lstStyle/>
+          <a:p>
+            <a:r>
+              <a:rPr lang="nl-NL" dirty="0"/>
+              <a:t>Design Rationale - </a:t>
+            </a:r>
+          </a:p>
+        </p:txBody>
+      </p:sp>
+      <p:graphicFrame>
+        <p:nvGraphicFramePr>
+          <p:cNvPr id="4" name="Table 4">
+            <a:extLst>
+              <a:ext uri="{FF2B5EF4-FFF2-40B4-BE49-F238E27FC236}">
+                <a16:creationId xmlns:a16="http://schemas.microsoft.com/office/drawing/2014/main" id="{2E32A558-4F34-4533-BC1E-38A5CC25794C}"/>
+              </a:ext>
+            </a:extLst>
+          </p:cNvPr>
+          <p:cNvGraphicFramePr>
+            <a:graphicFrameLocks noGrp="1"/>
+          </p:cNvGraphicFramePr>
+          <p:nvPr>
+            <p:ph idx="1"/>
+            <p:extLst>
+              <p:ext uri="{D42A27DB-BD31-4B8C-83A1-F6EECF244321}">
+                <p14:modId xmlns:p14="http://schemas.microsoft.com/office/powerpoint/2010/main" val="491435156"/>
+              </p:ext>
+            </p:extLst>
+          </p:nvPr>
+        </p:nvGraphicFramePr>
+        <p:xfrm>
+          <a:off x="762698" y="1192459"/>
+          <a:ext cx="9044032" cy="3541337"/>
+        </p:xfrm>
+        <a:graphic>
+          <a:graphicData uri="http://schemas.openxmlformats.org/drawingml/2006/table">
+            <a:tbl>
+              <a:tblPr firstRow="1" bandRow="1">
+                <a:tableStyleId>{5C22544A-7EE6-4342-B048-85BDC9FD1C3A}</a:tableStyleId>
+              </a:tblPr>
+              <a:tblGrid>
+                <a:gridCol w="2819401">
+                  <a:extLst>
+                    <a:ext uri="{9D8B030D-6E8A-4147-A177-3AD203B41FA5}">
+                      <a16:colId xmlns:a16="http://schemas.microsoft.com/office/drawing/2014/main" val="2086367204"/>
+                    </a:ext>
+                  </a:extLst>
+                </a:gridCol>
+                <a:gridCol w="6224631">
+                  <a:extLst>
+                    <a:ext uri="{9D8B030D-6E8A-4147-A177-3AD203B41FA5}">
+                      <a16:colId xmlns:a16="http://schemas.microsoft.com/office/drawing/2014/main" val="2937690220"/>
+                    </a:ext>
+                  </a:extLst>
+                </a:gridCol>
+              </a:tblGrid>
+              <a:tr h="750949">
+                <a:tc>
+                  <a:txBody>
+                    <a:bodyPr/>
+                    <a:lstStyle/>
+                    <a:p>
+                      <a:r>
+                        <a:rPr lang="nl-NL" dirty="0"/>
+                        <a:t>Functional Requirement</a:t>
+                      </a:r>
+                    </a:p>
+                  </a:txBody>
+                  <a:tcPr/>
+                </a:tc>
+                <a:tc>
+                  <a:txBody>
+                    <a:bodyPr/>
+                    <a:lstStyle/>
+                    <a:p>
+                      <a:r>
+                        <a:rPr lang="nl-NL" dirty="0"/>
+                        <a:t>Design Decision</a:t>
+                      </a:r>
+                    </a:p>
+                  </a:txBody>
+                  <a:tcPr/>
+                </a:tc>
+                <a:extLst>
+                  <a:ext uri="{0D108BD9-81ED-4DB2-BD59-A6C34878D82A}">
+                    <a16:rowId xmlns:a16="http://schemas.microsoft.com/office/drawing/2014/main" val="3353036980"/>
+                  </a:ext>
+                </a:extLst>
+              </a:tr>
+              <a:tr h="435074">
+                <a:tc>
+                  <a:txBody>
+                    <a:bodyPr/>
+                    <a:lstStyle/>
+                    <a:p>
+                      <a:r>
+                        <a:rPr lang="nl-NL" dirty="0"/>
+                        <a:t>High available infrastructure</a:t>
+                      </a:r>
+                    </a:p>
+                  </a:txBody>
+                  <a:tcPr/>
+                </a:tc>
+                <a:tc>
+                  <a:txBody>
+                    <a:bodyPr/>
+                    <a:lstStyle/>
+                    <a:p>
+                      <a:endParaRPr lang="nl-NL" dirty="0"/>
+                    </a:p>
+                  </a:txBody>
+                  <a:tcPr/>
+                </a:tc>
+                <a:extLst>
+                  <a:ext uri="{0D108BD9-81ED-4DB2-BD59-A6C34878D82A}">
+                    <a16:rowId xmlns:a16="http://schemas.microsoft.com/office/drawing/2014/main" val="2805783505"/>
+                  </a:ext>
+                </a:extLst>
+              </a:tr>
+              <a:tr h="435074">
+                <a:tc>
+                  <a:txBody>
+                    <a:bodyPr/>
+                    <a:lstStyle/>
+                    <a:p>
+                      <a:r>
+                        <a:rPr lang="nl-NL" dirty="0"/>
+                        <a:t>Scalable to handle peak loads</a:t>
+                      </a:r>
+                    </a:p>
+                  </a:txBody>
+                  <a:tcPr/>
+                </a:tc>
+                <a:tc>
+                  <a:txBody>
+                    <a:bodyPr/>
+                    <a:lstStyle/>
+                    <a:p>
+                      <a:endParaRPr lang="nl-NL" dirty="0"/>
+                    </a:p>
+                  </a:txBody>
+                  <a:tcPr/>
+                </a:tc>
+                <a:extLst>
+                  <a:ext uri="{0D108BD9-81ED-4DB2-BD59-A6C34878D82A}">
+                    <a16:rowId xmlns:a16="http://schemas.microsoft.com/office/drawing/2014/main" val="1216197976"/>
+                  </a:ext>
+                </a:extLst>
+              </a:tr>
+              <a:tr h="435074">
+                <a:tc>
+                  <a:txBody>
+                    <a:bodyPr/>
+                    <a:lstStyle/>
+                    <a:p>
+                      <a:r>
+                        <a:rPr lang="nl-NL" dirty="0"/>
+                        <a:t>Support for back up and restore</a:t>
+                      </a:r>
+                    </a:p>
+                  </a:txBody>
+                  <a:tcPr/>
+                </a:tc>
+                <a:tc>
+                  <a:txBody>
+                    <a:bodyPr/>
+                    <a:lstStyle/>
+                    <a:p>
+                      <a:endParaRPr lang="nl-NL" dirty="0"/>
+                    </a:p>
+                  </a:txBody>
+                  <a:tcPr/>
+                </a:tc>
+                <a:extLst>
+                  <a:ext uri="{0D108BD9-81ED-4DB2-BD59-A6C34878D82A}">
+                    <a16:rowId xmlns:a16="http://schemas.microsoft.com/office/drawing/2014/main" val="2998935052"/>
+                  </a:ext>
+                </a:extLst>
+              </a:tr>
+              <a:tr h="435074">
+                <a:tc>
+                  <a:txBody>
+                    <a:bodyPr/>
+                    <a:lstStyle/>
+                    <a:p>
+                      <a:r>
+                        <a:rPr lang="nl-NL" dirty="0"/>
+                        <a:t>Monitoring of infrastructure and application</a:t>
+                      </a:r>
+                    </a:p>
+                  </a:txBody>
+                  <a:tcPr/>
+                </a:tc>
+                <a:tc>
+                  <a:txBody>
+                    <a:bodyPr/>
+                    <a:lstStyle/>
+                    <a:p>
+                      <a:endParaRPr lang="nl-NL" dirty="0"/>
+                    </a:p>
+                  </a:txBody>
+                  <a:tcPr/>
+                </a:tc>
+                <a:extLst>
+                  <a:ext uri="{0D108BD9-81ED-4DB2-BD59-A6C34878D82A}">
+                    <a16:rowId xmlns:a16="http://schemas.microsoft.com/office/drawing/2014/main" val="2407280542"/>
+                  </a:ext>
+                </a:extLst>
+              </a:tr>
+              <a:tr h="435074">
+                <a:tc>
+                  <a:txBody>
+                    <a:bodyPr/>
+                    <a:lstStyle/>
+                    <a:p>
+                      <a:r>
+                        <a:rPr lang="nl-NL" dirty="0"/>
+                        <a:t>Security</a:t>
+                      </a:r>
+                    </a:p>
+                  </a:txBody>
+                  <a:tcPr/>
+                </a:tc>
+                <a:tc>
+                  <a:txBody>
+                    <a:bodyPr/>
+                    <a:lstStyle/>
+                    <a:p>
+                      <a:endParaRPr lang="nl-NL" dirty="0"/>
+                    </a:p>
+                  </a:txBody>
+                  <a:tcPr/>
+                </a:tc>
+                <a:extLst>
+                  <a:ext uri="{0D108BD9-81ED-4DB2-BD59-A6C34878D82A}">
+                    <a16:rowId xmlns:a16="http://schemas.microsoft.com/office/drawing/2014/main" val="2397497486"/>
+                  </a:ext>
+                </a:extLst>
+              </a:tr>
+            </a:tbl>
+          </a:graphicData>
+        </a:graphic>
+      </p:graphicFrame>
+    </p:spTree>
+    <p:extLst>
+      <p:ext uri="{BB962C8B-B14F-4D97-AF65-F5344CB8AC3E}">
+        <p14:creationId xmlns:p14="http://schemas.microsoft.com/office/powerpoint/2010/main" val="2659240142"/>
+      </p:ext>
+    </p:extLst>
+  </p:cSld>
+  <p:clrMapOvr>
+    <a:overrideClrMapping bg1="lt1" tx1="dk1" bg2="lt2" tx2="dk2" accent1="accent1" accent2="accent2" accent3="accent3" accent4="accent4" accent5="accent5" accent6="accent6" hlink="hlink" folHlink="folHlink"/>
+  </p:clrMapOvr>
+</p:sld>
+</file>
+
+<file path=ppt/slides/slide7.xml><?xml version="1.0" encoding="utf-8"?>
+<p:sld xmlns:a="http://schemas.openxmlformats.org/drawingml/2006/main" xmlns:r="http://schemas.openxmlformats.org/officeDocument/2006/relationships" xmlns:p="http://schemas.openxmlformats.org/presentationml/2006/main">
+  <p:cSld>
+    <p:bg>
+      <p:bgPr>
+        <a:gradFill>
+          <a:gsLst>
+            <a:gs pos="14000">
+              <a:schemeClr val="accent1">
+                <a:lumMod val="5000"/>
+                <a:lumOff val="95000"/>
+              </a:schemeClr>
+            </a:gs>
+            <a:gs pos="74000">
+              <a:schemeClr val="accent1">
+                <a:lumMod val="45000"/>
+                <a:lumOff val="55000"/>
+              </a:schemeClr>
+            </a:gs>
+            <a:gs pos="83000">
+              <a:schemeClr val="accent1">
+                <a:lumMod val="45000"/>
+                <a:lumOff val="55000"/>
+              </a:schemeClr>
+            </a:gs>
+            <a:gs pos="100000">
+              <a:schemeClr val="accent1">
+                <a:lumMod val="30000"/>
+                <a:lumOff val="70000"/>
+              </a:schemeClr>
+            </a:gs>
+          </a:gsLst>
+          <a:lin ang="5400000" scaled="1"/>
+        </a:gradFill>
+        <a:effectLst/>
+      </p:bgPr>
+    </p:bg>
+    <p:spTree>
+      <p:nvGrpSpPr>
+        <p:cNvPr id="1" name=""/>
+        <p:cNvGrpSpPr/>
+        <p:nvPr/>
+      </p:nvGrpSpPr>
+      <p:grpSpPr>
+        <a:xfrm>
+          <a:off x="0" y="0"/>
+          <a:ext cx="0" cy="0"/>
+          <a:chOff x="0" y="0"/>
+          <a:chExt cx="0" cy="0"/>
+        </a:xfrm>
+      </p:grpSpPr>
+      <p:sp>
+        <p:nvSpPr>
+          <p:cNvPr id="2" name="Title 1">
+            <a:extLst>
+              <a:ext uri="{FF2B5EF4-FFF2-40B4-BE49-F238E27FC236}">
+                <a16:creationId xmlns:a16="http://schemas.microsoft.com/office/drawing/2014/main" id="{09ED5F53-F99A-4010-B161-C3CE08DC94E5}"/>
+              </a:ext>
+            </a:extLst>
+          </p:cNvPr>
+          <p:cNvSpPr>
+            <a:spLocks noGrp="1"/>
+          </p:cNvSpPr>
+          <p:nvPr>
+            <p:ph type="title"/>
+          </p:nvPr>
+        </p:nvSpPr>
+        <p:spPr>
+          <a:xfrm>
+            <a:off x="838200" y="365125"/>
+            <a:ext cx="10515600" cy="633165"/>
+          </a:xfrm>
+        </p:spPr>
+        <p:txBody>
+          <a:bodyPr>
+            <a:normAutofit fontScale="90000"/>
+          </a:bodyPr>
+          <a:lstStyle/>
+          <a:p>
+            <a:r>
+              <a:rPr lang="nl-NL" dirty="0"/>
+              <a:t>Design Rationale - </a:t>
+            </a:r>
+          </a:p>
+        </p:txBody>
+      </p:sp>
+      <p:graphicFrame>
+        <p:nvGraphicFramePr>
+          <p:cNvPr id="4" name="Table 4">
+            <a:extLst>
+              <a:ext uri="{FF2B5EF4-FFF2-40B4-BE49-F238E27FC236}">
+                <a16:creationId xmlns:a16="http://schemas.microsoft.com/office/drawing/2014/main" id="{2E32A558-4F34-4533-BC1E-38A5CC25794C}"/>
+              </a:ext>
+            </a:extLst>
+          </p:cNvPr>
+          <p:cNvGraphicFramePr>
+            <a:graphicFrameLocks noGrp="1"/>
+          </p:cNvGraphicFramePr>
+          <p:nvPr>
+            <p:ph idx="1"/>
+            <p:extLst>
+              <p:ext uri="{D42A27DB-BD31-4B8C-83A1-F6EECF244321}">
+                <p14:modId xmlns:p14="http://schemas.microsoft.com/office/powerpoint/2010/main" val="2626123802"/>
+              </p:ext>
+            </p:extLst>
+          </p:nvPr>
+        </p:nvGraphicFramePr>
+        <p:xfrm>
+          <a:off x="754309" y="1192459"/>
+          <a:ext cx="9044032" cy="2056171"/>
+        </p:xfrm>
+        <a:graphic>
+          <a:graphicData uri="http://schemas.openxmlformats.org/drawingml/2006/table">
+            <a:tbl>
+              <a:tblPr firstRow="1" bandRow="1">
+                <a:tableStyleId>{5C22544A-7EE6-4342-B048-85BDC9FD1C3A}</a:tableStyleId>
+              </a:tblPr>
+              <a:tblGrid>
+                <a:gridCol w="2819401">
+                  <a:extLst>
+                    <a:ext uri="{9D8B030D-6E8A-4147-A177-3AD203B41FA5}">
+                      <a16:colId xmlns:a16="http://schemas.microsoft.com/office/drawing/2014/main" val="2086367204"/>
+                    </a:ext>
+                  </a:extLst>
+                </a:gridCol>
+                <a:gridCol w="6224631">
+                  <a:extLst>
+                    <a:ext uri="{9D8B030D-6E8A-4147-A177-3AD203B41FA5}">
+                      <a16:colId xmlns:a16="http://schemas.microsoft.com/office/drawing/2014/main" val="2937690220"/>
+                    </a:ext>
+                  </a:extLst>
+                </a:gridCol>
+              </a:tblGrid>
+              <a:tr h="750949">
+                <a:tc>
+                  <a:txBody>
+                    <a:bodyPr/>
+                    <a:lstStyle/>
+                    <a:p>
+                      <a:r>
+                        <a:rPr lang="nl-NL" dirty="0"/>
+                        <a:t>Non-functional Requirement</a:t>
+                      </a:r>
+                    </a:p>
+                  </a:txBody>
+                  <a:tcPr/>
+                </a:tc>
+                <a:tc>
+                  <a:txBody>
+                    <a:bodyPr/>
+                    <a:lstStyle/>
+                    <a:p>
+                      <a:r>
+                        <a:rPr lang="nl-NL" dirty="0"/>
+                        <a:t>Design Decision</a:t>
+                      </a:r>
+                    </a:p>
+                  </a:txBody>
+                  <a:tcPr/>
+                </a:tc>
+                <a:extLst>
+                  <a:ext uri="{0D108BD9-81ED-4DB2-BD59-A6C34878D82A}">
+                    <a16:rowId xmlns:a16="http://schemas.microsoft.com/office/drawing/2014/main" val="3353036980"/>
+                  </a:ext>
+                </a:extLst>
+              </a:tr>
+              <a:tr h="435074">
+                <a:tc>
+                  <a:txBody>
+                    <a:bodyPr/>
+                    <a:lstStyle/>
+                    <a:p>
+                      <a:r>
+                        <a:rPr lang="nl-NL" dirty="0"/>
+                        <a:t>Ease of deployment</a:t>
+                      </a:r>
+                    </a:p>
+                  </a:txBody>
+                  <a:tcPr/>
+                </a:tc>
+                <a:tc>
+                  <a:txBody>
+                    <a:bodyPr/>
+                    <a:lstStyle/>
+                    <a:p>
+                      <a:endParaRPr lang="nl-NL" dirty="0"/>
+                    </a:p>
+                  </a:txBody>
+                  <a:tcPr/>
+                </a:tc>
+                <a:extLst>
+                  <a:ext uri="{0D108BD9-81ED-4DB2-BD59-A6C34878D82A}">
+                    <a16:rowId xmlns:a16="http://schemas.microsoft.com/office/drawing/2014/main" val="2805783505"/>
+                  </a:ext>
+                </a:extLst>
+              </a:tr>
+              <a:tr h="435074">
+                <a:tc>
+                  <a:txBody>
+                    <a:bodyPr/>
+                    <a:lstStyle/>
+                    <a:p>
+                      <a:r>
+                        <a:rPr lang="nl-NL" dirty="0"/>
+                        <a:t>Single-sign-on</a:t>
+                      </a:r>
+                    </a:p>
+                  </a:txBody>
+                  <a:tcPr/>
+                </a:tc>
+                <a:tc>
+                  <a:txBody>
+                    <a:bodyPr/>
+                    <a:lstStyle/>
+                    <a:p>
+                      <a:endParaRPr lang="nl-NL" dirty="0"/>
+                    </a:p>
+                  </a:txBody>
+                  <a:tcPr/>
+                </a:tc>
+                <a:extLst>
+                  <a:ext uri="{0D108BD9-81ED-4DB2-BD59-A6C34878D82A}">
+                    <a16:rowId xmlns:a16="http://schemas.microsoft.com/office/drawing/2014/main" val="1216197976"/>
+                  </a:ext>
+                </a:extLst>
+              </a:tr>
+              <a:tr h="435074">
+                <a:tc>
+                  <a:txBody>
+                    <a:bodyPr/>
+                    <a:lstStyle/>
+                    <a:p>
+                      <a:r>
+                        <a:rPr lang="nl-NL" dirty="0"/>
+                        <a:t>Cost</a:t>
+                      </a:r>
+                    </a:p>
+                  </a:txBody>
+                  <a:tcPr/>
+                </a:tc>
+                <a:tc>
+                  <a:txBody>
+                    <a:bodyPr/>
+                    <a:lstStyle/>
+                    <a:p>
+                      <a:endParaRPr lang="nl-NL" dirty="0"/>
+                    </a:p>
+                  </a:txBody>
+                  <a:tcPr/>
+                </a:tc>
+                <a:extLst>
+                  <a:ext uri="{0D108BD9-81ED-4DB2-BD59-A6C34878D82A}">
+                    <a16:rowId xmlns:a16="http://schemas.microsoft.com/office/drawing/2014/main" val="2998935052"/>
+                  </a:ext>
+                </a:extLst>
+              </a:tr>
+            </a:tbl>
+          </a:graphicData>
+        </a:graphic>
+      </p:graphicFrame>
+    </p:spTree>
+    <p:extLst>
+      <p:ext uri="{BB962C8B-B14F-4D97-AF65-F5344CB8AC3E}">
+        <p14:creationId xmlns:p14="http://schemas.microsoft.com/office/powerpoint/2010/main" val="1507216172"/>
+      </p:ext>
+    </p:extLst>
+  </p:cSld>
+  <p:clrMapOvr>
+    <a:overrideClrMapping bg1="lt1" tx1="dk1" bg2="lt2" tx2="dk2" accent1="accent1" accent2="accent2" accent3="accent3" accent4="accent4" accent5="accent5" accent6="accent6" hlink="hlink" folHlink="folHlink"/>
+  </p:clrMapOvr>
+</p:sld>
+</file>
+
+<file path=ppt/slides/slide8.xml><?xml version="1.0" encoding="utf-8"?>
 <p:sld xmlns:a="http://schemas.openxmlformats.org/drawingml/2006/main" xmlns:r="http://schemas.openxmlformats.org/officeDocument/2006/relationships" xmlns:p="http://schemas.openxmlformats.org/presentationml/2006/main">
   <p:cSld>
     <p:bg>
@@ -7981,7 +8594,108 @@
 </a:themeOverride>
 </file>
 
+<file path=ppt/theme/themeOverride6.xml><?xml version="1.0" encoding="utf-8"?>
+<a:themeOverride xmlns:a="http://schemas.openxmlformats.org/drawingml/2006/main">
+  <a:clrScheme name="Office">
+    <a:dk1>
+      <a:sysClr val="windowText" lastClr="000000"/>
+    </a:dk1>
+    <a:lt1>
+      <a:sysClr val="window" lastClr="FFFFFF"/>
+    </a:lt1>
+    <a:dk2>
+      <a:srgbClr val="44546A"/>
+    </a:dk2>
+    <a:lt2>
+      <a:srgbClr val="E7E6E6"/>
+    </a:lt2>
+    <a:accent1>
+      <a:srgbClr val="4472C4"/>
+    </a:accent1>
+    <a:accent2>
+      <a:srgbClr val="ED7D31"/>
+    </a:accent2>
+    <a:accent3>
+      <a:srgbClr val="A5A5A5"/>
+    </a:accent3>
+    <a:accent4>
+      <a:srgbClr val="FFC000"/>
+    </a:accent4>
+    <a:accent5>
+      <a:srgbClr val="5B9BD5"/>
+    </a:accent5>
+    <a:accent6>
+      <a:srgbClr val="70AD47"/>
+    </a:accent6>
+    <a:hlink>
+      <a:srgbClr val="0563C1"/>
+    </a:hlink>
+    <a:folHlink>
+      <a:srgbClr val="954F72"/>
+    </a:folHlink>
+  </a:clrScheme>
+</a:themeOverride>
+</file>
+
+<file path=ppt/theme/themeOverride7.xml><?xml version="1.0" encoding="utf-8"?>
+<a:themeOverride xmlns:a="http://schemas.openxmlformats.org/drawingml/2006/main">
+  <a:clrScheme name="Office">
+    <a:dk1>
+      <a:sysClr val="windowText" lastClr="000000"/>
+    </a:dk1>
+    <a:lt1>
+      <a:sysClr val="window" lastClr="FFFFFF"/>
+    </a:lt1>
+    <a:dk2>
+      <a:srgbClr val="44546A"/>
+    </a:dk2>
+    <a:lt2>
+      <a:srgbClr val="E7E6E6"/>
+    </a:lt2>
+    <a:accent1>
+      <a:srgbClr val="4472C4"/>
+    </a:accent1>
+    <a:accent2>
+      <a:srgbClr val="ED7D31"/>
+    </a:accent2>
+    <a:accent3>
+      <a:srgbClr val="A5A5A5"/>
+    </a:accent3>
+    <a:accent4>
+      <a:srgbClr val="FFC000"/>
+    </a:accent4>
+    <a:accent5>
+      <a:srgbClr val="5B9BD5"/>
+    </a:accent5>
+    <a:accent6>
+      <a:srgbClr val="70AD47"/>
+    </a:accent6>
+    <a:hlink>
+      <a:srgbClr val="0563C1"/>
+    </a:hlink>
+    <a:folHlink>
+      <a:srgbClr val="954F72"/>
+    </a:folHlink>
+  </a:clrScheme>
+</a:themeOverride>
+</file>
+
 <file path=customXml/item1.xml><?xml version="1.0" encoding="utf-8"?>
+<p:properties xmlns:p="http://schemas.microsoft.com/office/2006/metadata/properties" xmlns:xsi="http://www.w3.org/2001/XMLSchema-instance" xmlns:pc="http://schemas.microsoft.com/office/infopath/2007/PartnerControls">
+  <documentManagement/>
+</p:properties>
+</file>
+
+<file path=customXml/item2.xml><?xml version="1.0" encoding="utf-8"?>
+<?mso-contentType ?>
+<FormTemplates xmlns="http://schemas.microsoft.com/sharepoint/v3/contenttype/forms">
+  <Display>DocumentLibraryForm</Display>
+  <Edit>DocumentLibraryForm</Edit>
+  <New>DocumentLibraryForm</New>
+</FormTemplates>
+</file>
+
+<file path=customXml/item3.xml><?xml version="1.0" encoding="utf-8"?>
 <ct:contentTypeSchema xmlns:ct="http://schemas.microsoft.com/office/2006/metadata/contentType" xmlns:ma="http://schemas.microsoft.com/office/2006/metadata/properties/metaAttributes" ct:_="" ma:_="" ma:contentTypeName="Document" ma:contentTypeID="0x010100D51C8E008ADD504384404C9E3E99B7EB" ma:contentTypeVersion="10" ma:contentTypeDescription="Create a new document." ma:contentTypeScope="" ma:versionID="8c4373961c0831170a61a8106b8bd466">
   <xsd:schema xmlns:xsd="http://www.w3.org/2001/XMLSchema" xmlns:xs="http://www.w3.org/2001/XMLSchema" xmlns:p="http://schemas.microsoft.com/office/2006/metadata/properties" xmlns:ns3="9ac6d3fa-e392-431b-b9b0-b371ac6fcc4b" xmlns:ns4="e43dcf83-6b49-4140-93f1-162dddd7ee38" targetNamespace="http://schemas.microsoft.com/office/2006/metadata/properties" ma:root="true" ma:fieldsID="fe446e04f8a12cf8a23ebc1d9dbc4fc7" ns3:_="" ns4:_="">
     <xsd:import namespace="9ac6d3fa-e392-431b-b9b0-b371ac6fcc4b"/>
@@ -8184,22 +8898,32 @@
 </ct:contentTypeSchema>
 </file>
 
-<file path=customXml/item2.xml><?xml version="1.0" encoding="utf-8"?>
-<?mso-contentType ?>
-<FormTemplates xmlns="http://schemas.microsoft.com/sharepoint/v3/contenttype/forms">
-  <Display>DocumentLibraryForm</Display>
-  <Edit>DocumentLibraryForm</Edit>
-  <New>DocumentLibraryForm</New>
-</FormTemplates>
+<file path=customXml/itemProps1.xml><?xml version="1.0" encoding="utf-8"?>
+<ds:datastoreItem xmlns:ds="http://schemas.openxmlformats.org/officeDocument/2006/customXml" ds:itemID="{78EEBAFC-A708-43F1-BE20-3B564BFB5361}">
+  <ds:schemaRefs>
+    <ds:schemaRef ds:uri="http://purl.org/dc/elements/1.1/"/>
+    <ds:schemaRef ds:uri="http://schemas.microsoft.com/office/2006/metadata/properties"/>
+    <ds:schemaRef ds:uri="http://schemas.openxmlformats.org/package/2006/metadata/core-properties"/>
+    <ds:schemaRef ds:uri="http://schemas.microsoft.com/office/2006/documentManagement/types"/>
+    <ds:schemaRef ds:uri="e43dcf83-6b49-4140-93f1-162dddd7ee38"/>
+    <ds:schemaRef ds:uri="http://purl.org/dc/dcmitype/"/>
+    <ds:schemaRef ds:uri="9ac6d3fa-e392-431b-b9b0-b371ac6fcc4b"/>
+    <ds:schemaRef ds:uri="http://schemas.microsoft.com/office/infopath/2007/PartnerControls"/>
+    <ds:schemaRef ds:uri="http://www.w3.org/XML/1998/namespace"/>
+    <ds:schemaRef ds:uri="http://purl.org/dc/terms/"/>
+  </ds:schemaRefs>
+</ds:datastoreItem>
 </file>
 
-<file path=customXml/item3.xml><?xml version="1.0" encoding="utf-8"?>
-<p:properties xmlns:p="http://schemas.microsoft.com/office/2006/metadata/properties" xmlns:xsi="http://www.w3.org/2001/XMLSchema-instance" xmlns:pc="http://schemas.microsoft.com/office/infopath/2007/PartnerControls">
-  <documentManagement/>
-</p:properties>
+<file path=customXml/itemProps2.xml><?xml version="1.0" encoding="utf-8"?>
+<ds:datastoreItem xmlns:ds="http://schemas.openxmlformats.org/officeDocument/2006/customXml" ds:itemID="{0D7000AB-59D9-4BB2-934C-2EC5A7058E65}">
+  <ds:schemaRefs>
+    <ds:schemaRef ds:uri="http://schemas.microsoft.com/sharepoint/v3/contenttype/forms"/>
+  </ds:schemaRefs>
+</ds:datastoreItem>
 </file>
 
-<file path=customXml/itemProps1.xml><?xml version="1.0" encoding="utf-8"?>
+<file path=customXml/itemProps3.xml><?xml version="1.0" encoding="utf-8"?>
 <ds:datastoreItem xmlns:ds="http://schemas.openxmlformats.org/officeDocument/2006/customXml" ds:itemID="{3B297EB5-55AC-4480-9131-BC60DA26C4C0}">
   <ds:schemaRefs>
     <ds:schemaRef ds:uri="http://schemas.microsoft.com/office/2006/metadata/contentType"/>
@@ -8216,29 +8940,4 @@
     <ds:schemaRef ds:uri="http://schemas.microsoft.com/internal/obd"/>
   </ds:schemaRefs>
 </ds:datastoreItem>
-</file>
-
-<file path=customXml/itemProps2.xml><?xml version="1.0" encoding="utf-8"?>
-<ds:datastoreItem xmlns:ds="http://schemas.openxmlformats.org/officeDocument/2006/customXml" ds:itemID="{0D7000AB-59D9-4BB2-934C-2EC5A7058E65}">
-  <ds:schemaRefs>
-    <ds:schemaRef ds:uri="http://schemas.microsoft.com/sharepoint/v3/contenttype/forms"/>
-  </ds:schemaRefs>
-</ds:datastoreItem>
-</file>
-
-<file path=customXml/itemProps3.xml><?xml version="1.0" encoding="utf-8"?>
-<ds:datastoreItem xmlns:ds="http://schemas.openxmlformats.org/officeDocument/2006/customXml" ds:itemID="{78EEBAFC-A708-43F1-BE20-3B564BFB5361}">
-  <ds:schemaRefs>
-    <ds:schemaRef ds:uri="http://purl.org/dc/elements/1.1/"/>
-    <ds:schemaRef ds:uri="http://schemas.microsoft.com/office/2006/metadata/properties"/>
-    <ds:schemaRef ds:uri="http://schemas.openxmlformats.org/package/2006/metadata/core-properties"/>
-    <ds:schemaRef ds:uri="http://schemas.microsoft.com/office/2006/documentManagement/types"/>
-    <ds:schemaRef ds:uri="e43dcf83-6b49-4140-93f1-162dddd7ee38"/>
-    <ds:schemaRef ds:uri="http://purl.org/dc/dcmitype/"/>
-    <ds:schemaRef ds:uri="9ac6d3fa-e392-431b-b9b0-b371ac6fcc4b"/>
-    <ds:schemaRef ds:uri="http://schemas.microsoft.com/office/infopath/2007/PartnerControls"/>
-    <ds:schemaRef ds:uri="http://www.w3.org/XML/1998/namespace"/>
-    <ds:schemaRef ds:uri="http://purl.org/dc/terms/"/>
-  </ds:schemaRefs>
-</ds:datastoreItem>
 </file>
--- a/Documentation/notejam.pptx
+++ b/Documentation/notejam.pptx
@@ -288,7 +288,7 @@
           <a:p>
             <a:fld id="{7EFDC30E-1555-4232-A85C-ED0A57DB81A3}" type="datetimeFigureOut">
               <a:rPr lang="nl-NL" smtClean="0"/>
-              <a:t>27-2-2021</a:t>
+              <a:t>28-2-2021</a:t>
             </a:fld>
             <a:endParaRPr lang="nl-NL"/>
           </a:p>
@@ -488,7 +488,7 @@
           <a:p>
             <a:fld id="{7EFDC30E-1555-4232-A85C-ED0A57DB81A3}" type="datetimeFigureOut">
               <a:rPr lang="nl-NL" smtClean="0"/>
-              <a:t>27-2-2021</a:t>
+              <a:t>28-2-2021</a:t>
             </a:fld>
             <a:endParaRPr lang="nl-NL"/>
           </a:p>
@@ -698,7 +698,7 @@
           <a:p>
             <a:fld id="{7EFDC30E-1555-4232-A85C-ED0A57DB81A3}" type="datetimeFigureOut">
               <a:rPr lang="nl-NL" smtClean="0"/>
-              <a:t>27-2-2021</a:t>
+              <a:t>28-2-2021</a:t>
             </a:fld>
             <a:endParaRPr lang="nl-NL"/>
           </a:p>
@@ -898,7 +898,7 @@
           <a:p>
             <a:fld id="{7EFDC30E-1555-4232-A85C-ED0A57DB81A3}" type="datetimeFigureOut">
               <a:rPr lang="nl-NL" smtClean="0"/>
-              <a:t>27-2-2021</a:t>
+              <a:t>28-2-2021</a:t>
             </a:fld>
             <a:endParaRPr lang="nl-NL"/>
           </a:p>
@@ -1174,7 +1174,7 @@
           <a:p>
             <a:fld id="{7EFDC30E-1555-4232-A85C-ED0A57DB81A3}" type="datetimeFigureOut">
               <a:rPr lang="nl-NL" smtClean="0"/>
-              <a:t>27-2-2021</a:t>
+              <a:t>28-2-2021</a:t>
             </a:fld>
             <a:endParaRPr lang="nl-NL"/>
           </a:p>
@@ -1442,7 +1442,7 @@
           <a:p>
             <a:fld id="{7EFDC30E-1555-4232-A85C-ED0A57DB81A3}" type="datetimeFigureOut">
               <a:rPr lang="nl-NL" smtClean="0"/>
-              <a:t>27-2-2021</a:t>
+              <a:t>28-2-2021</a:t>
             </a:fld>
             <a:endParaRPr lang="nl-NL"/>
           </a:p>
@@ -1857,7 +1857,7 @@
           <a:p>
             <a:fld id="{7EFDC30E-1555-4232-A85C-ED0A57DB81A3}" type="datetimeFigureOut">
               <a:rPr lang="nl-NL" smtClean="0"/>
-              <a:t>27-2-2021</a:t>
+              <a:t>28-2-2021</a:t>
             </a:fld>
             <a:endParaRPr lang="nl-NL"/>
           </a:p>
@@ -1999,7 +1999,7 @@
           <a:p>
             <a:fld id="{7EFDC30E-1555-4232-A85C-ED0A57DB81A3}" type="datetimeFigureOut">
               <a:rPr lang="nl-NL" smtClean="0"/>
-              <a:t>27-2-2021</a:t>
+              <a:t>28-2-2021</a:t>
             </a:fld>
             <a:endParaRPr lang="nl-NL"/>
           </a:p>
@@ -2112,7 +2112,7 @@
           <a:p>
             <a:fld id="{7EFDC30E-1555-4232-A85C-ED0A57DB81A3}" type="datetimeFigureOut">
               <a:rPr lang="nl-NL" smtClean="0"/>
-              <a:t>27-2-2021</a:t>
+              <a:t>28-2-2021</a:t>
             </a:fld>
             <a:endParaRPr lang="nl-NL"/>
           </a:p>
@@ -2425,7 +2425,7 @@
           <a:p>
             <a:fld id="{7EFDC30E-1555-4232-A85C-ED0A57DB81A3}" type="datetimeFigureOut">
               <a:rPr lang="nl-NL" smtClean="0"/>
-              <a:t>27-2-2021</a:t>
+              <a:t>28-2-2021</a:t>
             </a:fld>
             <a:endParaRPr lang="nl-NL"/>
           </a:p>
@@ -2714,7 +2714,7 @@
           <a:p>
             <a:fld id="{7EFDC30E-1555-4232-A85C-ED0A57DB81A3}" type="datetimeFigureOut">
               <a:rPr lang="nl-NL" smtClean="0"/>
-              <a:t>27-2-2021</a:t>
+              <a:t>28-2-2021</a:t>
             </a:fld>
             <a:endParaRPr lang="nl-NL"/>
           </a:p>
@@ -2957,7 +2957,7 @@
           <a:p>
             <a:fld id="{7EFDC30E-1555-4232-A85C-ED0A57DB81A3}" type="datetimeFigureOut">
               <a:rPr lang="nl-NL" smtClean="0"/>
-              <a:t>27-2-2021</a:t>
+              <a:t>28-2-2021</a:t>
             </a:fld>
             <a:endParaRPr lang="nl-NL"/>
           </a:p>
@@ -5814,8 +5814,8 @@
         </p:nvSpPr>
         <p:spPr>
           <a:xfrm>
-            <a:off x="3747912" y="1125206"/>
-            <a:ext cx="4732590" cy="4607588"/>
+            <a:off x="3099805" y="1125206"/>
+            <a:ext cx="5380697" cy="4607588"/>
           </a:xfrm>
           <a:prstGeom prst="rect">
             <a:avLst/>
@@ -6046,8 +6046,8 @@
         </p:nvSpPr>
         <p:spPr>
           <a:xfrm>
-            <a:off x="3375379" y="3486323"/>
-            <a:ext cx="1275644" cy="246221"/>
+            <a:off x="3334304" y="3301657"/>
+            <a:ext cx="1275644" cy="861774"/>
           </a:xfrm>
           <a:prstGeom prst="rect">
             <a:avLst/>
@@ -6062,15 +6062,37 @@
           <a:p>
             <a:r>
               <a:rPr lang="nl-NL" sz="1000" dirty="0"/>
-              <a:t>Frontdoor </a:t>
-            </a:r>
-            <a:r>
-              <a:rPr lang="nl-NL" sz="1000" dirty="0" err="1"/>
-              <a:t>with</a:t>
-            </a:r>
+              <a:t>Frontdoor with WAF</a:t>
+            </a:r>
+          </a:p>
+          <a:p>
+            <a:pPr marL="171450" indent="-171450">
+              <a:buFontTx/>
+              <a:buChar char="-"/>
+            </a:pPr>
             <a:r>
               <a:rPr lang="nl-NL" sz="1000" dirty="0"/>
-              <a:t> WAF</a:t>
+              <a:t>Decrypt traffic</a:t>
+            </a:r>
+          </a:p>
+          <a:p>
+            <a:pPr marL="171450" indent="-171450">
+              <a:buFontTx/>
+              <a:buChar char="-"/>
+            </a:pPr>
+            <a:r>
+              <a:rPr lang="nl-NL" sz="1000" dirty="0"/>
+              <a:t>Inspect</a:t>
+            </a:r>
+          </a:p>
+          <a:p>
+            <a:pPr marL="171450" indent="-171450">
+              <a:buFontTx/>
+              <a:buChar char="-"/>
+            </a:pPr>
+            <a:r>
+              <a:rPr lang="nl-NL" sz="1000" dirty="0"/>
+              <a:t>Allow/Block request</a:t>
             </a:r>
           </a:p>
         </p:txBody>
@@ -6300,9 +6322,9 @@
           <p:nvPr/>
         </p:nvCxnSpPr>
         <p:spPr>
-          <a:xfrm>
-            <a:off x="5715639" y="3429001"/>
-            <a:ext cx="3202586" cy="14111"/>
+          <a:xfrm flipV="1">
+            <a:off x="5715639" y="3413891"/>
+            <a:ext cx="4586042" cy="15110"/>
           </a:xfrm>
           <a:prstGeom prst="line">
             <a:avLst/>
@@ -7280,6 +7302,216 @@
               <a:t>Diagnostics</a:t>
             </a:r>
             <a:endParaRPr lang="nl-NL" sz="900" dirty="0"/>
+          </a:p>
+        </p:txBody>
+      </p:sp>
+      <p:sp>
+        <p:nvSpPr>
+          <p:cNvPr id="3" name="TextBox 2">
+            <a:extLst>
+              <a:ext uri="{FF2B5EF4-FFF2-40B4-BE49-F238E27FC236}">
+                <a16:creationId xmlns:a16="http://schemas.microsoft.com/office/drawing/2014/main" id="{00A8371E-D64E-4ED6-9353-E8AC844F13A9}"/>
+              </a:ext>
+            </a:extLst>
+          </p:cNvPr>
+          <p:cNvSpPr txBox="1"/>
+          <p:nvPr/>
+        </p:nvSpPr>
+        <p:spPr>
+          <a:xfrm>
+            <a:off x="5346109" y="2334538"/>
+            <a:ext cx="1164183" cy="200055"/>
+          </a:xfrm>
+          <a:prstGeom prst="rect">
+            <a:avLst/>
+          </a:prstGeom>
+          <a:noFill/>
+        </p:spPr>
+        <p:txBody>
+          <a:bodyPr wrap="square" rtlCol="0">
+            <a:spAutoFit/>
+          </a:bodyPr>
+          <a:lstStyle/>
+          <a:p>
+            <a:r>
+              <a:rPr lang="nl-NL" sz="700" dirty="0"/>
+              <a:t>Authentication/ SSO</a:t>
+            </a:r>
+          </a:p>
+        </p:txBody>
+      </p:sp>
+      <p:sp>
+        <p:nvSpPr>
+          <p:cNvPr id="44" name="TextBox 43">
+            <a:extLst>
+              <a:ext uri="{FF2B5EF4-FFF2-40B4-BE49-F238E27FC236}">
+                <a16:creationId xmlns:a16="http://schemas.microsoft.com/office/drawing/2014/main" id="{0150B5E0-B18A-4D6C-9263-260C07971FC2}"/>
+              </a:ext>
+            </a:extLst>
+          </p:cNvPr>
+          <p:cNvSpPr txBox="1"/>
+          <p:nvPr/>
+        </p:nvSpPr>
+        <p:spPr>
+          <a:xfrm>
+            <a:off x="4717370" y="1966703"/>
+            <a:ext cx="1164183" cy="200055"/>
+          </a:xfrm>
+          <a:prstGeom prst="rect">
+            <a:avLst/>
+          </a:prstGeom>
+          <a:noFill/>
+        </p:spPr>
+        <p:txBody>
+          <a:bodyPr wrap="square" rtlCol="0">
+            <a:spAutoFit/>
+          </a:bodyPr>
+          <a:lstStyle/>
+          <a:p>
+            <a:r>
+              <a:rPr lang="nl-NL" sz="700" dirty="0"/>
+              <a:t>Load balanced routing</a:t>
+            </a:r>
+          </a:p>
+        </p:txBody>
+      </p:sp>
+      <p:sp>
+        <p:nvSpPr>
+          <p:cNvPr id="45" name="TextBox 44">
+            <a:extLst>
+              <a:ext uri="{FF2B5EF4-FFF2-40B4-BE49-F238E27FC236}">
+                <a16:creationId xmlns:a16="http://schemas.microsoft.com/office/drawing/2014/main" id="{D813D28C-47DE-4F71-822D-1F039B3EBF55}"/>
+              </a:ext>
+            </a:extLst>
+          </p:cNvPr>
+          <p:cNvSpPr txBox="1"/>
+          <p:nvPr/>
+        </p:nvSpPr>
+        <p:spPr>
+          <a:xfrm>
+            <a:off x="4491852" y="3859385"/>
+            <a:ext cx="1252763" cy="200055"/>
+          </a:xfrm>
+          <a:prstGeom prst="rect">
+            <a:avLst/>
+          </a:prstGeom>
+          <a:noFill/>
+        </p:spPr>
+        <p:txBody>
+          <a:bodyPr wrap="square" rtlCol="0">
+            <a:spAutoFit/>
+          </a:bodyPr>
+          <a:lstStyle/>
+          <a:p>
+            <a:r>
+              <a:rPr lang="nl-NL" sz="700" dirty="0"/>
+              <a:t>Routing to secondary region</a:t>
+            </a:r>
+          </a:p>
+        </p:txBody>
+      </p:sp>
+      <p:sp>
+        <p:nvSpPr>
+          <p:cNvPr id="46" name="TextBox 45">
+            <a:extLst>
+              <a:ext uri="{FF2B5EF4-FFF2-40B4-BE49-F238E27FC236}">
+                <a16:creationId xmlns:a16="http://schemas.microsoft.com/office/drawing/2014/main" id="{36438EC8-458F-4D10-A3E5-4C3208B765B6}"/>
+              </a:ext>
+            </a:extLst>
+          </p:cNvPr>
+          <p:cNvSpPr txBox="1"/>
+          <p:nvPr/>
+        </p:nvSpPr>
+        <p:spPr>
+          <a:xfrm>
+            <a:off x="5299461" y="3424801"/>
+            <a:ext cx="1164183" cy="200055"/>
+          </a:xfrm>
+          <a:prstGeom prst="rect">
+            <a:avLst/>
+          </a:prstGeom>
+          <a:noFill/>
+        </p:spPr>
+        <p:txBody>
+          <a:bodyPr wrap="square" rtlCol="0">
+            <a:spAutoFit/>
+          </a:bodyPr>
+          <a:lstStyle/>
+          <a:p>
+            <a:r>
+              <a:rPr lang="nl-NL" sz="700" dirty="0"/>
+              <a:t>Authentication/ SSO</a:t>
+            </a:r>
+          </a:p>
+        </p:txBody>
+      </p:sp>
+      <p:sp>
+        <p:nvSpPr>
+          <p:cNvPr id="48" name="TextBox 47">
+            <a:extLst>
+              <a:ext uri="{FF2B5EF4-FFF2-40B4-BE49-F238E27FC236}">
+                <a16:creationId xmlns:a16="http://schemas.microsoft.com/office/drawing/2014/main" id="{0FA805B4-561A-4C01-B72A-F391DC994759}"/>
+              </a:ext>
+            </a:extLst>
+          </p:cNvPr>
+          <p:cNvSpPr txBox="1"/>
+          <p:nvPr/>
+        </p:nvSpPr>
+        <p:spPr>
+          <a:xfrm>
+            <a:off x="8055817" y="1417673"/>
+            <a:ext cx="481617" cy="200055"/>
+          </a:xfrm>
+          <a:prstGeom prst="rect">
+            <a:avLst/>
+          </a:prstGeom>
+          <a:noFill/>
+        </p:spPr>
+        <p:txBody>
+          <a:bodyPr wrap="square" rtlCol="0">
+            <a:spAutoFit/>
+          </a:bodyPr>
+          <a:lstStyle/>
+          <a:p>
+            <a:r>
+              <a:rPr lang="nl-NL" sz="700" dirty="0"/>
+              <a:t>D/T/A/P</a:t>
+            </a:r>
+          </a:p>
+        </p:txBody>
+      </p:sp>
+      <p:sp>
+        <p:nvSpPr>
+          <p:cNvPr id="53" name="TextBox 52">
+            <a:extLst>
+              <a:ext uri="{FF2B5EF4-FFF2-40B4-BE49-F238E27FC236}">
+                <a16:creationId xmlns:a16="http://schemas.microsoft.com/office/drawing/2014/main" id="{BEF522AF-E176-47F5-A687-EA7AAAE03AD8}"/>
+              </a:ext>
+            </a:extLst>
+          </p:cNvPr>
+          <p:cNvSpPr txBox="1"/>
+          <p:nvPr/>
+        </p:nvSpPr>
+        <p:spPr>
+          <a:xfrm>
+            <a:off x="2907776" y="2782007"/>
+            <a:ext cx="1164183" cy="200055"/>
+          </a:xfrm>
+          <a:prstGeom prst="rect">
+            <a:avLst/>
+          </a:prstGeom>
+          <a:noFill/>
+        </p:spPr>
+        <p:txBody>
+          <a:bodyPr wrap="square" rtlCol="0">
+            <a:spAutoFit/>
+          </a:bodyPr>
+          <a:lstStyle/>
+          <a:p>
+            <a:r>
+              <a:rPr lang="nl-NL" sz="700" dirty="0"/>
+              <a:t>Encrypted Traffic</a:t>
+            </a:r>
           </a:p>
         </p:txBody>
       </p:sp>
@@ -7398,14 +7630,14 @@
             <p:ph idx="1"/>
             <p:extLst>
               <p:ext uri="{D42A27DB-BD31-4B8C-83A1-F6EECF244321}">
-                <p14:modId xmlns:p14="http://schemas.microsoft.com/office/powerpoint/2010/main" val="491435156"/>
+                <p14:modId xmlns:p14="http://schemas.microsoft.com/office/powerpoint/2010/main" val="680940986"/>
               </p:ext>
             </p:extLst>
           </p:nvPr>
         </p:nvGraphicFramePr>
         <p:xfrm>
           <a:off x="762698" y="1192459"/>
-          <a:ext cx="9044032" cy="3541337"/>
+          <a:ext cx="9044032" cy="5231509"/>
         </p:xfrm>
         <a:graphic>
           <a:graphicData uri="http://schemas.openxmlformats.org/drawingml/2006/table">
@@ -7481,7 +7713,34 @@
                     <a:bodyPr/>
                     <a:lstStyle/>
                     <a:p>
-                      <a:endParaRPr lang="nl-NL" dirty="0"/>
+                      <a:pPr marL="171450" indent="-171450">
+                        <a:buFont typeface="Arial" panose="020B0604020202020204" pitchFamily="34" charset="0"/>
+                        <a:buChar char="•"/>
+                      </a:pPr>
+                      <a:r>
+                        <a:rPr lang="nl-NL" sz="1200" dirty="0"/>
+                        <a:t>Make use of multiple web application resources in different regions for high availability in case one of the Microsoft data center region goes donw.</a:t>
+                      </a:r>
+                    </a:p>
+                    <a:p>
+                      <a:pPr marL="171450" indent="-171450">
+                        <a:buFont typeface="Arial" panose="020B0604020202020204" pitchFamily="34" charset="0"/>
+                        <a:buChar char="•"/>
+                      </a:pPr>
+                      <a:r>
+                        <a:rPr lang="nl-NL" sz="1200" dirty="0"/>
+                        <a:t>Configure failover mechanism for database server</a:t>
+                      </a:r>
+                    </a:p>
+                    <a:p>
+                      <a:pPr marL="171450" indent="-171450">
+                        <a:buFont typeface="Arial" panose="020B0604020202020204" pitchFamily="34" charset="0"/>
+                        <a:buChar char="•"/>
+                      </a:pPr>
+                      <a:r>
+                        <a:rPr lang="nl-NL" sz="1200" dirty="0"/>
+                        <a:t>Use PaaS resoures, Microsoft guarantees 99.99% SLA</a:t>
+                      </a:r>
                     </a:p>
                   </a:txBody>
                   <a:tcPr/>
@@ -7511,7 +7770,24 @@
                     <a:bodyPr/>
                     <a:lstStyle/>
                     <a:p>
-                      <a:endParaRPr lang="nl-NL" dirty="0"/>
+                      <a:pPr marL="171450" indent="-171450">
+                        <a:buFont typeface="Arial" panose="020B0604020202020204" pitchFamily="34" charset="0"/>
+                        <a:buChar char="•"/>
+                      </a:pPr>
+                      <a:r>
+                        <a:rPr lang="nl-NL" sz="1200" dirty="0"/>
+                        <a:t>Set upscaling rules at web app to handle the peak and variable loads</a:t>
+                      </a:r>
+                    </a:p>
+                    <a:p>
+                      <a:pPr marL="171450" indent="-171450">
+                        <a:buFont typeface="Arial" panose="020B0604020202020204" pitchFamily="34" charset="0"/>
+                        <a:buChar char="•"/>
+                      </a:pPr>
+                      <a:r>
+                        <a:rPr lang="nl-NL" sz="1200" dirty="0"/>
+                        <a:t>In case of under utilization of web application, create the scale-down  rules to save the cost</a:t>
+                      </a:r>
                     </a:p>
                   </a:txBody>
                   <a:tcPr/>
@@ -7541,7 +7817,24 @@
                     <a:bodyPr/>
                     <a:lstStyle/>
                     <a:p>
-                      <a:endParaRPr lang="nl-NL" dirty="0"/>
+                      <a:pPr marL="171450" indent="-171450">
+                        <a:buFont typeface="Arial" panose="020B0604020202020204" pitchFamily="34" charset="0"/>
+                        <a:buChar char="•"/>
+                      </a:pPr>
+                      <a:r>
+                        <a:rPr lang="nl-NL" sz="1200" dirty="0"/>
+                        <a:t>Use PaaS services which are fully managed resources by Microsoft with automatic scheduled backup</a:t>
+                      </a:r>
+                    </a:p>
+                    <a:p>
+                      <a:pPr marL="171450" indent="-171450">
+                        <a:buFont typeface="Arial" panose="020B0604020202020204" pitchFamily="34" charset="0"/>
+                        <a:buChar char="•"/>
+                      </a:pPr>
+                      <a:r>
+                        <a:rPr lang="nl-NL" sz="1200" dirty="0"/>
+                        <a:t>Setup retention period of 3 years</a:t>
+                      </a:r>
                     </a:p>
                   </a:txBody>
                   <a:tcPr/>
@@ -7571,7 +7864,24 @@
                     <a:bodyPr/>
                     <a:lstStyle/>
                     <a:p>
-                      <a:endParaRPr lang="nl-NL" dirty="0"/>
+                      <a:pPr marL="171450" indent="-171450">
+                        <a:buFont typeface="Arial" panose="020B0604020202020204" pitchFamily="34" charset="0"/>
+                        <a:buChar char="•"/>
+                      </a:pPr>
+                      <a:r>
+                        <a:rPr lang="nl-NL" sz="1200" dirty="0"/>
+                        <a:t>Use Application Insights to actively monitor web application traffic, availability, logs</a:t>
+                      </a:r>
+                    </a:p>
+                    <a:p>
+                      <a:pPr marL="171450" indent="-171450">
+                        <a:buFont typeface="Arial" panose="020B0604020202020204" pitchFamily="34" charset="0"/>
+                        <a:buChar char="•"/>
+                      </a:pPr>
+                      <a:r>
+                        <a:rPr lang="nl-NL" sz="1200" dirty="0"/>
+                        <a:t>Use Log Analytics workspace for resource telemtery, metrics and logs</a:t>
+                      </a:r>
                     </a:p>
                   </a:txBody>
                   <a:tcPr/>
@@ -7601,7 +7911,62 @@
                     <a:bodyPr/>
                     <a:lstStyle/>
                     <a:p>
-                      <a:endParaRPr lang="nl-NL" dirty="0"/>
+                      <a:pPr marL="171450" indent="-171450">
+                        <a:buFont typeface="Arial" panose="020B0604020202020204" pitchFamily="34" charset="0"/>
+                        <a:buChar char="•"/>
+                      </a:pPr>
+                      <a:r>
+                        <a:rPr lang="nl-NL" sz="1200" dirty="0"/>
+                        <a:t>For application security, use Frontdoor service which is global service for multi-region web applications</a:t>
+                      </a:r>
+                    </a:p>
+                    <a:p>
+                      <a:pPr marL="171450" indent="-171450">
+                        <a:buFont typeface="Arial" panose="020B0604020202020204" pitchFamily="34" charset="0"/>
+                        <a:buChar char="•"/>
+                      </a:pPr>
+                      <a:r>
+                        <a:rPr lang="nl-NL" sz="1200" dirty="0"/>
+                        <a:t>Use Frontdoor with WAF configuration, it helps to prevent attacks on internet facing web application</a:t>
+                      </a:r>
+                    </a:p>
+                    <a:p>
+                      <a:pPr marL="171450" indent="-171450">
+                        <a:buFont typeface="Arial" panose="020B0604020202020204" pitchFamily="34" charset="0"/>
+                        <a:buChar char="•"/>
+                      </a:pPr>
+                      <a:r>
+                        <a:rPr lang="nl-NL" sz="1200" dirty="0"/>
+                        <a:t>Turn on the load balacing intelligent routign with maximum traffic to primary region</a:t>
+                      </a:r>
+                    </a:p>
+                    <a:p>
+                      <a:pPr marL="171450" indent="-171450">
+                        <a:buFont typeface="Arial" panose="020B0604020202020204" pitchFamily="34" charset="0"/>
+                        <a:buChar char="•"/>
+                      </a:pPr>
+                      <a:r>
+                        <a:rPr lang="nl-NL" sz="1200" dirty="0"/>
+                        <a:t>Setup firewal rules on database server to allow traffic from web application endpoints only</a:t>
+                      </a:r>
+                    </a:p>
+                    <a:p>
+                      <a:pPr marL="171450" indent="-171450">
+                        <a:buFont typeface="Arial" panose="020B0604020202020204" pitchFamily="34" charset="0"/>
+                        <a:buChar char="•"/>
+                      </a:pPr>
+                      <a:r>
+                        <a:rPr lang="nl-NL" sz="1200"/>
+                        <a:t>Set up network rule on web application to allow traffic from Frontdoor only thus disable &lt;hostname&gt;.azurewebsites.net host</a:t>
+                      </a:r>
+                      <a:endParaRPr lang="nl-NL" sz="1200" dirty="0"/>
+                    </a:p>
+                    <a:p>
+                      <a:pPr marL="171450" indent="-171450">
+                        <a:buFont typeface="Arial" panose="020B0604020202020204" pitchFamily="34" charset="0"/>
+                        <a:buChar char="•"/>
+                      </a:pPr>
+                      <a:endParaRPr lang="nl-NL" sz="1200" dirty="0"/>
                     </a:p>
                   </a:txBody>
                   <a:tcPr/>
@@ -7731,14 +8096,14 @@
             <p:ph idx="1"/>
             <p:extLst>
               <p:ext uri="{D42A27DB-BD31-4B8C-83A1-F6EECF244321}">
-                <p14:modId xmlns:p14="http://schemas.microsoft.com/office/powerpoint/2010/main" val="2626123802"/>
+                <p14:modId xmlns:p14="http://schemas.microsoft.com/office/powerpoint/2010/main" val="2333534545"/>
               </p:ext>
             </p:extLst>
           </p:nvPr>
         </p:nvGraphicFramePr>
         <p:xfrm>
           <a:off x="754309" y="1192459"/>
-          <a:ext cx="9044032" cy="2056171"/>
+          <a:ext cx="9044032" cy="2305429"/>
         </p:xfrm>
         <a:graphic>
           <a:graphicData uri="http://schemas.openxmlformats.org/drawingml/2006/table">
@@ -7814,7 +8179,24 @@
                     <a:bodyPr/>
                     <a:lstStyle/>
                     <a:p>
-                      <a:endParaRPr lang="nl-NL" dirty="0"/>
+                      <a:pPr marL="171450" indent="-171450">
+                        <a:buFont typeface="Arial" panose="020B0604020202020204" pitchFamily="34" charset="0"/>
+                        <a:buChar char="•"/>
+                      </a:pPr>
+                      <a:r>
+                        <a:rPr lang="nl-NL" sz="1200" dirty="0"/>
+                        <a:t>Use Infrastructure As Code to provision resources across DTAP</a:t>
+                      </a:r>
+                    </a:p>
+                    <a:p>
+                      <a:pPr marL="171450" indent="-171450">
+                        <a:buFont typeface="Arial" panose="020B0604020202020204" pitchFamily="34" charset="0"/>
+                        <a:buChar char="•"/>
+                      </a:pPr>
+                      <a:r>
+                        <a:rPr lang="nl-NL" sz="1200" dirty="0"/>
+                        <a:t>Use YAML pipelines in Azure DevOps to secure CI/CD way of working </a:t>
+                      </a:r>
                     </a:p>
                   </a:txBody>
                   <a:tcPr/>
@@ -7844,7 +8226,24 @@
                     <a:bodyPr/>
                     <a:lstStyle/>
                     <a:p>
-                      <a:endParaRPr lang="nl-NL" dirty="0"/>
+                      <a:pPr marL="171450" indent="-171450">
+                        <a:buFont typeface="Arial" panose="020B0604020202020204" pitchFamily="34" charset="0"/>
+                        <a:buChar char="•"/>
+                      </a:pPr>
+                      <a:r>
+                        <a:rPr lang="nl-NL" sz="1200" dirty="0"/>
+                        <a:t>Use Azure Active Directory for single sign-on</a:t>
+                      </a:r>
+                    </a:p>
+                    <a:p>
+                      <a:pPr marL="171450" indent="-171450">
+                        <a:buFont typeface="Arial" panose="020B0604020202020204" pitchFamily="34" charset="0"/>
+                        <a:buChar char="•"/>
+                      </a:pPr>
+                      <a:r>
+                        <a:rPr lang="nl-NL" sz="1200" dirty="0"/>
+                        <a:t>Remove user management code from application and outsource it to AAD</a:t>
+                      </a:r>
                     </a:p>
                   </a:txBody>
                   <a:tcPr/>
@@ -7874,7 +8273,47 @@
                     <a:bodyPr/>
                     <a:lstStyle/>
                     <a:p>
-                      <a:endParaRPr lang="nl-NL" dirty="0"/>
+                      <a:pPr marL="171450" indent="-171450">
+                        <a:buFont typeface="Arial" panose="020B0604020202020204" pitchFamily="34" charset="0"/>
+                        <a:buChar char="•"/>
+                      </a:pPr>
+                      <a:r>
+                        <a:rPr lang="nl-NL" sz="1200" dirty="0"/>
+                        <a:t>Use AAD, Frontdoor, Log Analytics as shared services across multiple applications</a:t>
+                      </a:r>
+                    </a:p>
+                    <a:p>
+                      <a:pPr marL="171450" marR="0" lvl="0" indent="-171450" algn="l" defTabSz="914400" rtl="0" eaLnBrk="1" fontAlgn="auto" latinLnBrk="0" hangingPunct="1">
+                        <a:lnSpc>
+                          <a:spcPct val="100000"/>
+                        </a:lnSpc>
+                        <a:spcBef>
+                          <a:spcPts val="0"/>
+                        </a:spcBef>
+                        <a:spcAft>
+                          <a:spcPts val="0"/>
+                        </a:spcAft>
+                        <a:buClrTx/>
+                        <a:buSzTx/>
+                        <a:buFont typeface="Arial" panose="020B0604020202020204" pitchFamily="34" charset="0"/>
+                        <a:buChar char="•"/>
+                        <a:tabLst/>
+                        <a:defRPr/>
+                      </a:pPr>
+                      <a:r>
+                        <a:rPr lang="nl-NL" sz="1200" dirty="0"/>
+                        <a:t>Wisely use the scaling rules to minimize application cost</a:t>
+                      </a:r>
+                    </a:p>
+                    <a:p>
+                      <a:pPr marL="171450" indent="-171450">
+                        <a:buFont typeface="Arial" panose="020B0604020202020204" pitchFamily="34" charset="0"/>
+                        <a:buChar char="•"/>
+                      </a:pPr>
+                      <a:r>
+                        <a:rPr lang="nl-NL" sz="1200" dirty="0"/>
+                        <a:t>Use appropriate tags (e.g. Cost center, owner)on resource group to charge back the cost</a:t>
+                      </a:r>
                     </a:p>
                   </a:txBody>
                   <a:tcPr/>
@@ -8681,21 +9120,6 @@
 </file>
 
 <file path=customXml/item1.xml><?xml version="1.0" encoding="utf-8"?>
-<p:properties xmlns:p="http://schemas.microsoft.com/office/2006/metadata/properties" xmlns:xsi="http://www.w3.org/2001/XMLSchema-instance" xmlns:pc="http://schemas.microsoft.com/office/infopath/2007/PartnerControls">
-  <documentManagement/>
-</p:properties>
-</file>
-
-<file path=customXml/item2.xml><?xml version="1.0" encoding="utf-8"?>
-<?mso-contentType ?>
-<FormTemplates xmlns="http://schemas.microsoft.com/sharepoint/v3/contenttype/forms">
-  <Display>DocumentLibraryForm</Display>
-  <Edit>DocumentLibraryForm</Edit>
-  <New>DocumentLibraryForm</New>
-</FormTemplates>
-</file>
-
-<file path=customXml/item3.xml><?xml version="1.0" encoding="utf-8"?>
 <ct:contentTypeSchema xmlns:ct="http://schemas.microsoft.com/office/2006/metadata/contentType" xmlns:ma="http://schemas.microsoft.com/office/2006/metadata/properties/metaAttributes" ct:_="" ma:_="" ma:contentTypeName="Document" ma:contentTypeID="0x010100D51C8E008ADD504384404C9E3E99B7EB" ma:contentTypeVersion="10" ma:contentTypeDescription="Create a new document." ma:contentTypeScope="" ma:versionID="8c4373961c0831170a61a8106b8bd466">
   <xsd:schema xmlns:xsd="http://www.w3.org/2001/XMLSchema" xmlns:xs="http://www.w3.org/2001/XMLSchema" xmlns:p="http://schemas.microsoft.com/office/2006/metadata/properties" xmlns:ns3="9ac6d3fa-e392-431b-b9b0-b371ac6fcc4b" xmlns:ns4="e43dcf83-6b49-4140-93f1-162dddd7ee38" targetNamespace="http://schemas.microsoft.com/office/2006/metadata/properties" ma:root="true" ma:fieldsID="fe446e04f8a12cf8a23ebc1d9dbc4fc7" ns3:_="" ns4:_="">
     <xsd:import namespace="9ac6d3fa-e392-431b-b9b0-b371ac6fcc4b"/>
@@ -8898,32 +9322,22 @@
 </ct:contentTypeSchema>
 </file>
 
-<file path=customXml/itemProps1.xml><?xml version="1.0" encoding="utf-8"?>
-<ds:datastoreItem xmlns:ds="http://schemas.openxmlformats.org/officeDocument/2006/customXml" ds:itemID="{78EEBAFC-A708-43F1-BE20-3B564BFB5361}">
-  <ds:schemaRefs>
-    <ds:schemaRef ds:uri="http://purl.org/dc/elements/1.1/"/>
-    <ds:schemaRef ds:uri="http://schemas.microsoft.com/office/2006/metadata/properties"/>
-    <ds:schemaRef ds:uri="http://schemas.openxmlformats.org/package/2006/metadata/core-properties"/>
-    <ds:schemaRef ds:uri="http://schemas.microsoft.com/office/2006/documentManagement/types"/>
-    <ds:schemaRef ds:uri="e43dcf83-6b49-4140-93f1-162dddd7ee38"/>
-    <ds:schemaRef ds:uri="http://purl.org/dc/dcmitype/"/>
-    <ds:schemaRef ds:uri="9ac6d3fa-e392-431b-b9b0-b371ac6fcc4b"/>
-    <ds:schemaRef ds:uri="http://schemas.microsoft.com/office/infopath/2007/PartnerControls"/>
-    <ds:schemaRef ds:uri="http://www.w3.org/XML/1998/namespace"/>
-    <ds:schemaRef ds:uri="http://purl.org/dc/terms/"/>
-  </ds:schemaRefs>
-</ds:datastoreItem>
+<file path=customXml/item2.xml><?xml version="1.0" encoding="utf-8"?>
+<?mso-contentType ?>
+<FormTemplates xmlns="http://schemas.microsoft.com/sharepoint/v3/contenttype/forms">
+  <Display>DocumentLibraryForm</Display>
+  <Edit>DocumentLibraryForm</Edit>
+  <New>DocumentLibraryForm</New>
+</FormTemplates>
 </file>
 
-<file path=customXml/itemProps2.xml><?xml version="1.0" encoding="utf-8"?>
-<ds:datastoreItem xmlns:ds="http://schemas.openxmlformats.org/officeDocument/2006/customXml" ds:itemID="{0D7000AB-59D9-4BB2-934C-2EC5A7058E65}">
-  <ds:schemaRefs>
-    <ds:schemaRef ds:uri="http://schemas.microsoft.com/sharepoint/v3/contenttype/forms"/>
-  </ds:schemaRefs>
-</ds:datastoreItem>
+<file path=customXml/item3.xml><?xml version="1.0" encoding="utf-8"?>
+<p:properties xmlns:p="http://schemas.microsoft.com/office/2006/metadata/properties" xmlns:xsi="http://www.w3.org/2001/XMLSchema-instance" xmlns:pc="http://schemas.microsoft.com/office/infopath/2007/PartnerControls">
+  <documentManagement/>
+</p:properties>
 </file>
 
-<file path=customXml/itemProps3.xml><?xml version="1.0" encoding="utf-8"?>
+<file path=customXml/itemProps1.xml><?xml version="1.0" encoding="utf-8"?>
 <ds:datastoreItem xmlns:ds="http://schemas.openxmlformats.org/officeDocument/2006/customXml" ds:itemID="{3B297EB5-55AC-4480-9131-BC60DA26C4C0}">
   <ds:schemaRefs>
     <ds:schemaRef ds:uri="http://schemas.microsoft.com/office/2006/metadata/contentType"/>
@@ -8940,4 +9354,29 @@
     <ds:schemaRef ds:uri="http://schemas.microsoft.com/internal/obd"/>
   </ds:schemaRefs>
 </ds:datastoreItem>
+</file>
+
+<file path=customXml/itemProps2.xml><?xml version="1.0" encoding="utf-8"?>
+<ds:datastoreItem xmlns:ds="http://schemas.openxmlformats.org/officeDocument/2006/customXml" ds:itemID="{0D7000AB-59D9-4BB2-934C-2EC5A7058E65}">
+  <ds:schemaRefs>
+    <ds:schemaRef ds:uri="http://schemas.microsoft.com/sharepoint/v3/contenttype/forms"/>
+  </ds:schemaRefs>
+</ds:datastoreItem>
+</file>
+
+<file path=customXml/itemProps3.xml><?xml version="1.0" encoding="utf-8"?>
+<ds:datastoreItem xmlns:ds="http://schemas.openxmlformats.org/officeDocument/2006/customXml" ds:itemID="{78EEBAFC-A708-43F1-BE20-3B564BFB5361}">
+  <ds:schemaRefs>
+    <ds:schemaRef ds:uri="http://purl.org/dc/elements/1.1/"/>
+    <ds:schemaRef ds:uri="http://schemas.microsoft.com/office/2006/metadata/properties"/>
+    <ds:schemaRef ds:uri="http://schemas.openxmlformats.org/package/2006/metadata/core-properties"/>
+    <ds:schemaRef ds:uri="http://schemas.microsoft.com/office/2006/documentManagement/types"/>
+    <ds:schemaRef ds:uri="e43dcf83-6b49-4140-93f1-162dddd7ee38"/>
+    <ds:schemaRef ds:uri="http://purl.org/dc/dcmitype/"/>
+    <ds:schemaRef ds:uri="9ac6d3fa-e392-431b-b9b0-b371ac6fcc4b"/>
+    <ds:schemaRef ds:uri="http://schemas.microsoft.com/office/infopath/2007/PartnerControls"/>
+    <ds:schemaRef ds:uri="http://www.w3.org/XML/1998/namespace"/>
+    <ds:schemaRef ds:uri="http://purl.org/dc/terms/"/>
+  </ds:schemaRefs>
+</ds:datastoreItem>
 </file>
--- a/Documentation/notejam.pptx
+++ b/Documentation/notejam.pptx
@@ -10,7 +10,9 @@
     <p:sldId id="258" r:id="rId7"/>
     <p:sldId id="259" r:id="rId8"/>
     <p:sldId id="260" r:id="rId9"/>
-    <p:sldId id="261" r:id="rId10"/>
+    <p:sldId id="262" r:id="rId10"/>
+    <p:sldId id="263" r:id="rId11"/>
+    <p:sldId id="261" r:id="rId12"/>
   </p:sldIdLst>
   <p:sldSz cx="12192000" cy="6858000"/>
   <p:notesSz cx="6858000" cy="9144000"/>
@@ -109,6 +111,11 @@
       </a:defRPr>
     </a:lvl9pPr>
   </p:defaultTextStyle>
+  <p:extLst>
+    <p:ext uri="{EFAFB233-063F-42B5-8137-9DF3F51BA10A}">
+      <p15:sldGuideLst xmlns:p15="http://schemas.microsoft.com/office/powerpoint/2012/main"/>
+    </p:ext>
+  </p:extLst>
 </p:presentation>
 </file>
 
@@ -281,7 +288,7 @@
           <a:p>
             <a:fld id="{7EFDC30E-1555-4232-A85C-ED0A57DB81A3}" type="datetimeFigureOut">
               <a:rPr lang="nl-NL" smtClean="0"/>
-              <a:t>18-2-2021</a:t>
+              <a:t>28-2-2021</a:t>
             </a:fld>
             <a:endParaRPr lang="nl-NL"/>
           </a:p>
@@ -481,7 +488,7 @@
           <a:p>
             <a:fld id="{7EFDC30E-1555-4232-A85C-ED0A57DB81A3}" type="datetimeFigureOut">
               <a:rPr lang="nl-NL" smtClean="0"/>
-              <a:t>18-2-2021</a:t>
+              <a:t>28-2-2021</a:t>
             </a:fld>
             <a:endParaRPr lang="nl-NL"/>
           </a:p>
@@ -691,7 +698,7 @@
           <a:p>
             <a:fld id="{7EFDC30E-1555-4232-A85C-ED0A57DB81A3}" type="datetimeFigureOut">
               <a:rPr lang="nl-NL" smtClean="0"/>
-              <a:t>18-2-2021</a:t>
+              <a:t>28-2-2021</a:t>
             </a:fld>
             <a:endParaRPr lang="nl-NL"/>
           </a:p>
@@ -891,7 +898,7 @@
           <a:p>
             <a:fld id="{7EFDC30E-1555-4232-A85C-ED0A57DB81A3}" type="datetimeFigureOut">
               <a:rPr lang="nl-NL" smtClean="0"/>
-              <a:t>18-2-2021</a:t>
+              <a:t>28-2-2021</a:t>
             </a:fld>
             <a:endParaRPr lang="nl-NL"/>
           </a:p>
@@ -1167,7 +1174,7 @@
           <a:p>
             <a:fld id="{7EFDC30E-1555-4232-A85C-ED0A57DB81A3}" type="datetimeFigureOut">
               <a:rPr lang="nl-NL" smtClean="0"/>
-              <a:t>18-2-2021</a:t>
+              <a:t>28-2-2021</a:t>
             </a:fld>
             <a:endParaRPr lang="nl-NL"/>
           </a:p>
@@ -1435,7 +1442,7 @@
           <a:p>
             <a:fld id="{7EFDC30E-1555-4232-A85C-ED0A57DB81A3}" type="datetimeFigureOut">
               <a:rPr lang="nl-NL" smtClean="0"/>
-              <a:t>18-2-2021</a:t>
+              <a:t>28-2-2021</a:t>
             </a:fld>
             <a:endParaRPr lang="nl-NL"/>
           </a:p>
@@ -1850,7 +1857,7 @@
           <a:p>
             <a:fld id="{7EFDC30E-1555-4232-A85C-ED0A57DB81A3}" type="datetimeFigureOut">
               <a:rPr lang="nl-NL" smtClean="0"/>
-              <a:t>18-2-2021</a:t>
+              <a:t>28-2-2021</a:t>
             </a:fld>
             <a:endParaRPr lang="nl-NL"/>
           </a:p>
@@ -1992,7 +1999,7 @@
           <a:p>
             <a:fld id="{7EFDC30E-1555-4232-A85C-ED0A57DB81A3}" type="datetimeFigureOut">
               <a:rPr lang="nl-NL" smtClean="0"/>
-              <a:t>18-2-2021</a:t>
+              <a:t>28-2-2021</a:t>
             </a:fld>
             <a:endParaRPr lang="nl-NL"/>
           </a:p>
@@ -2105,7 +2112,7 @@
           <a:p>
             <a:fld id="{7EFDC30E-1555-4232-A85C-ED0A57DB81A3}" type="datetimeFigureOut">
               <a:rPr lang="nl-NL" smtClean="0"/>
-              <a:t>18-2-2021</a:t>
+              <a:t>28-2-2021</a:t>
             </a:fld>
             <a:endParaRPr lang="nl-NL"/>
           </a:p>
@@ -2418,7 +2425,7 @@
           <a:p>
             <a:fld id="{7EFDC30E-1555-4232-A85C-ED0A57DB81A3}" type="datetimeFigureOut">
               <a:rPr lang="nl-NL" smtClean="0"/>
-              <a:t>18-2-2021</a:t>
+              <a:t>28-2-2021</a:t>
             </a:fld>
             <a:endParaRPr lang="nl-NL"/>
           </a:p>
@@ -2707,7 +2714,7 @@
           <a:p>
             <a:fld id="{7EFDC30E-1555-4232-A85C-ED0A57DB81A3}" type="datetimeFigureOut">
               <a:rPr lang="nl-NL" smtClean="0"/>
-              <a:t>18-2-2021</a:t>
+              <a:t>28-2-2021</a:t>
             </a:fld>
             <a:endParaRPr lang="nl-NL"/>
           </a:p>
@@ -2950,7 +2957,7 @@
           <a:p>
             <a:fld id="{7EFDC30E-1555-4232-A85C-ED0A57DB81A3}" type="datetimeFigureOut">
               <a:rPr lang="nl-NL" smtClean="0"/>
-              <a:t>18-2-2021</a:t>
+              <a:t>28-2-2021</a:t>
             </a:fld>
             <a:endParaRPr lang="nl-NL"/>
           </a:p>
@@ -5807,8 +5814,8 @@
         </p:nvSpPr>
         <p:spPr>
           <a:xfrm>
-            <a:off x="3747912" y="1125206"/>
-            <a:ext cx="4732590" cy="4607588"/>
+            <a:off x="3099805" y="1125206"/>
+            <a:ext cx="5380697" cy="4607588"/>
           </a:xfrm>
           <a:prstGeom prst="rect">
             <a:avLst/>
@@ -6039,8 +6046,8 @@
         </p:nvSpPr>
         <p:spPr>
           <a:xfrm>
-            <a:off x="3375379" y="3486323"/>
-            <a:ext cx="1275644" cy="246221"/>
+            <a:off x="3334304" y="3301657"/>
+            <a:ext cx="1275644" cy="861774"/>
           </a:xfrm>
           <a:prstGeom prst="rect">
             <a:avLst/>
@@ -6055,15 +6062,37 @@
           <a:p>
             <a:r>
               <a:rPr lang="nl-NL" sz="1000" dirty="0"/>
-              <a:t>Frontdoor </a:t>
-            </a:r>
-            <a:r>
-              <a:rPr lang="nl-NL" sz="1000" dirty="0" err="1"/>
-              <a:t>with</a:t>
-            </a:r>
+              <a:t>Frontdoor with WAF</a:t>
+            </a:r>
+          </a:p>
+          <a:p>
+            <a:pPr marL="171450" indent="-171450">
+              <a:buFontTx/>
+              <a:buChar char="-"/>
+            </a:pPr>
             <a:r>
               <a:rPr lang="nl-NL" sz="1000" dirty="0"/>
-              <a:t> WAF</a:t>
+              <a:t>Decrypt traffic</a:t>
+            </a:r>
+          </a:p>
+          <a:p>
+            <a:pPr marL="171450" indent="-171450">
+              <a:buFontTx/>
+              <a:buChar char="-"/>
+            </a:pPr>
+            <a:r>
+              <a:rPr lang="nl-NL" sz="1000" dirty="0"/>
+              <a:t>Inspect</a:t>
+            </a:r>
+          </a:p>
+          <a:p>
+            <a:pPr marL="171450" indent="-171450">
+              <a:buFontTx/>
+              <a:buChar char="-"/>
+            </a:pPr>
+            <a:r>
+              <a:rPr lang="nl-NL" sz="1000" dirty="0"/>
+              <a:t>Allow/Block request</a:t>
             </a:r>
           </a:p>
         </p:txBody>
@@ -6293,9 +6322,9 @@
           <p:nvPr/>
         </p:nvCxnSpPr>
         <p:spPr>
-          <a:xfrm>
-            <a:off x="5715639" y="3429001"/>
-            <a:ext cx="3202586" cy="14111"/>
+          <a:xfrm flipV="1">
+            <a:off x="5715639" y="3413891"/>
+            <a:ext cx="4586042" cy="15110"/>
           </a:xfrm>
           <a:prstGeom prst="line">
             <a:avLst/>
@@ -7276,6 +7305,216 @@
           </a:p>
         </p:txBody>
       </p:sp>
+      <p:sp>
+        <p:nvSpPr>
+          <p:cNvPr id="3" name="TextBox 2">
+            <a:extLst>
+              <a:ext uri="{FF2B5EF4-FFF2-40B4-BE49-F238E27FC236}">
+                <a16:creationId xmlns:a16="http://schemas.microsoft.com/office/drawing/2014/main" id="{00A8371E-D64E-4ED6-9353-E8AC844F13A9}"/>
+              </a:ext>
+            </a:extLst>
+          </p:cNvPr>
+          <p:cNvSpPr txBox="1"/>
+          <p:nvPr/>
+        </p:nvSpPr>
+        <p:spPr>
+          <a:xfrm>
+            <a:off x="5346109" y="2334538"/>
+            <a:ext cx="1164183" cy="200055"/>
+          </a:xfrm>
+          <a:prstGeom prst="rect">
+            <a:avLst/>
+          </a:prstGeom>
+          <a:noFill/>
+        </p:spPr>
+        <p:txBody>
+          <a:bodyPr wrap="square" rtlCol="0">
+            <a:spAutoFit/>
+          </a:bodyPr>
+          <a:lstStyle/>
+          <a:p>
+            <a:r>
+              <a:rPr lang="nl-NL" sz="700" dirty="0"/>
+              <a:t>Authentication/ SSO</a:t>
+            </a:r>
+          </a:p>
+        </p:txBody>
+      </p:sp>
+      <p:sp>
+        <p:nvSpPr>
+          <p:cNvPr id="44" name="TextBox 43">
+            <a:extLst>
+              <a:ext uri="{FF2B5EF4-FFF2-40B4-BE49-F238E27FC236}">
+                <a16:creationId xmlns:a16="http://schemas.microsoft.com/office/drawing/2014/main" id="{0150B5E0-B18A-4D6C-9263-260C07971FC2}"/>
+              </a:ext>
+            </a:extLst>
+          </p:cNvPr>
+          <p:cNvSpPr txBox="1"/>
+          <p:nvPr/>
+        </p:nvSpPr>
+        <p:spPr>
+          <a:xfrm>
+            <a:off x="4717370" y="1966703"/>
+            <a:ext cx="1164183" cy="200055"/>
+          </a:xfrm>
+          <a:prstGeom prst="rect">
+            <a:avLst/>
+          </a:prstGeom>
+          <a:noFill/>
+        </p:spPr>
+        <p:txBody>
+          <a:bodyPr wrap="square" rtlCol="0">
+            <a:spAutoFit/>
+          </a:bodyPr>
+          <a:lstStyle/>
+          <a:p>
+            <a:r>
+              <a:rPr lang="nl-NL" sz="700" dirty="0"/>
+              <a:t>Load balanced routing</a:t>
+            </a:r>
+          </a:p>
+        </p:txBody>
+      </p:sp>
+      <p:sp>
+        <p:nvSpPr>
+          <p:cNvPr id="45" name="TextBox 44">
+            <a:extLst>
+              <a:ext uri="{FF2B5EF4-FFF2-40B4-BE49-F238E27FC236}">
+                <a16:creationId xmlns:a16="http://schemas.microsoft.com/office/drawing/2014/main" id="{D813D28C-47DE-4F71-822D-1F039B3EBF55}"/>
+              </a:ext>
+            </a:extLst>
+          </p:cNvPr>
+          <p:cNvSpPr txBox="1"/>
+          <p:nvPr/>
+        </p:nvSpPr>
+        <p:spPr>
+          <a:xfrm>
+            <a:off x="4491852" y="3859385"/>
+            <a:ext cx="1252763" cy="200055"/>
+          </a:xfrm>
+          <a:prstGeom prst="rect">
+            <a:avLst/>
+          </a:prstGeom>
+          <a:noFill/>
+        </p:spPr>
+        <p:txBody>
+          <a:bodyPr wrap="square" rtlCol="0">
+            <a:spAutoFit/>
+          </a:bodyPr>
+          <a:lstStyle/>
+          <a:p>
+            <a:r>
+              <a:rPr lang="nl-NL" sz="700" dirty="0"/>
+              <a:t>Routing to secondary region</a:t>
+            </a:r>
+          </a:p>
+        </p:txBody>
+      </p:sp>
+      <p:sp>
+        <p:nvSpPr>
+          <p:cNvPr id="46" name="TextBox 45">
+            <a:extLst>
+              <a:ext uri="{FF2B5EF4-FFF2-40B4-BE49-F238E27FC236}">
+                <a16:creationId xmlns:a16="http://schemas.microsoft.com/office/drawing/2014/main" id="{36438EC8-458F-4D10-A3E5-4C3208B765B6}"/>
+              </a:ext>
+            </a:extLst>
+          </p:cNvPr>
+          <p:cNvSpPr txBox="1"/>
+          <p:nvPr/>
+        </p:nvSpPr>
+        <p:spPr>
+          <a:xfrm>
+            <a:off x="5299461" y="3424801"/>
+            <a:ext cx="1164183" cy="200055"/>
+          </a:xfrm>
+          <a:prstGeom prst="rect">
+            <a:avLst/>
+          </a:prstGeom>
+          <a:noFill/>
+        </p:spPr>
+        <p:txBody>
+          <a:bodyPr wrap="square" rtlCol="0">
+            <a:spAutoFit/>
+          </a:bodyPr>
+          <a:lstStyle/>
+          <a:p>
+            <a:r>
+              <a:rPr lang="nl-NL" sz="700" dirty="0"/>
+              <a:t>Authentication/ SSO</a:t>
+            </a:r>
+          </a:p>
+        </p:txBody>
+      </p:sp>
+      <p:sp>
+        <p:nvSpPr>
+          <p:cNvPr id="48" name="TextBox 47">
+            <a:extLst>
+              <a:ext uri="{FF2B5EF4-FFF2-40B4-BE49-F238E27FC236}">
+                <a16:creationId xmlns:a16="http://schemas.microsoft.com/office/drawing/2014/main" id="{0FA805B4-561A-4C01-B72A-F391DC994759}"/>
+              </a:ext>
+            </a:extLst>
+          </p:cNvPr>
+          <p:cNvSpPr txBox="1"/>
+          <p:nvPr/>
+        </p:nvSpPr>
+        <p:spPr>
+          <a:xfrm>
+            <a:off x="8055817" y="1417673"/>
+            <a:ext cx="481617" cy="200055"/>
+          </a:xfrm>
+          <a:prstGeom prst="rect">
+            <a:avLst/>
+          </a:prstGeom>
+          <a:noFill/>
+        </p:spPr>
+        <p:txBody>
+          <a:bodyPr wrap="square" rtlCol="0">
+            <a:spAutoFit/>
+          </a:bodyPr>
+          <a:lstStyle/>
+          <a:p>
+            <a:r>
+              <a:rPr lang="nl-NL" sz="700" dirty="0"/>
+              <a:t>D/T/A/P</a:t>
+            </a:r>
+          </a:p>
+        </p:txBody>
+      </p:sp>
+      <p:sp>
+        <p:nvSpPr>
+          <p:cNvPr id="53" name="TextBox 52">
+            <a:extLst>
+              <a:ext uri="{FF2B5EF4-FFF2-40B4-BE49-F238E27FC236}">
+                <a16:creationId xmlns:a16="http://schemas.microsoft.com/office/drawing/2014/main" id="{BEF522AF-E176-47F5-A687-EA7AAAE03AD8}"/>
+              </a:ext>
+            </a:extLst>
+          </p:cNvPr>
+          <p:cNvSpPr txBox="1"/>
+          <p:nvPr/>
+        </p:nvSpPr>
+        <p:spPr>
+          <a:xfrm>
+            <a:off x="2907776" y="2782007"/>
+            <a:ext cx="1164183" cy="200055"/>
+          </a:xfrm>
+          <a:prstGeom prst="rect">
+            <a:avLst/>
+          </a:prstGeom>
+          <a:noFill/>
+        </p:spPr>
+        <p:txBody>
+          <a:bodyPr wrap="square" rtlCol="0">
+            <a:spAutoFit/>
+          </a:bodyPr>
+          <a:lstStyle/>
+          <a:p>
+            <a:r>
+              <a:rPr lang="nl-NL" sz="700" dirty="0"/>
+              <a:t>Encrypted Traffic</a:t>
+            </a:r>
+          </a:p>
+        </p:txBody>
+      </p:sp>
     </p:spTree>
     <p:extLst>
       <p:ext uri="{BB962C8B-B14F-4D97-AF65-F5344CB8AC3E}">
@@ -7290,6 +7529,819 @@
 </file>
 
 <file path=ppt/slides/slide6.xml><?xml version="1.0" encoding="utf-8"?>
+<p:sld xmlns:a="http://schemas.openxmlformats.org/drawingml/2006/main" xmlns:r="http://schemas.openxmlformats.org/officeDocument/2006/relationships" xmlns:p="http://schemas.openxmlformats.org/presentationml/2006/main">
+  <p:cSld>
+    <p:bg>
+      <p:bgPr>
+        <a:gradFill>
+          <a:gsLst>
+            <a:gs pos="14000">
+              <a:schemeClr val="accent1">
+                <a:lumMod val="5000"/>
+                <a:lumOff val="95000"/>
+              </a:schemeClr>
+            </a:gs>
+            <a:gs pos="74000">
+              <a:schemeClr val="accent1">
+                <a:lumMod val="45000"/>
+                <a:lumOff val="55000"/>
+              </a:schemeClr>
+            </a:gs>
+            <a:gs pos="83000">
+              <a:schemeClr val="accent1">
+                <a:lumMod val="45000"/>
+                <a:lumOff val="55000"/>
+              </a:schemeClr>
+            </a:gs>
+            <a:gs pos="100000">
+              <a:schemeClr val="accent1">
+                <a:lumMod val="30000"/>
+                <a:lumOff val="70000"/>
+              </a:schemeClr>
+            </a:gs>
+          </a:gsLst>
+          <a:lin ang="5400000" scaled="1"/>
+        </a:gradFill>
+        <a:effectLst/>
+      </p:bgPr>
+    </p:bg>
+    <p:spTree>
+      <p:nvGrpSpPr>
+        <p:cNvPr id="1" name=""/>
+        <p:cNvGrpSpPr/>
+        <p:nvPr/>
+      </p:nvGrpSpPr>
+      <p:grpSpPr>
+        <a:xfrm>
+          <a:off x="0" y="0"/>
+          <a:ext cx="0" cy="0"/>
+          <a:chOff x="0" y="0"/>
+          <a:chExt cx="0" cy="0"/>
+        </a:xfrm>
+      </p:grpSpPr>
+      <p:sp>
+        <p:nvSpPr>
+          <p:cNvPr id="2" name="Title 1">
+            <a:extLst>
+              <a:ext uri="{FF2B5EF4-FFF2-40B4-BE49-F238E27FC236}">
+                <a16:creationId xmlns:a16="http://schemas.microsoft.com/office/drawing/2014/main" id="{09ED5F53-F99A-4010-B161-C3CE08DC94E5}"/>
+              </a:ext>
+            </a:extLst>
+          </p:cNvPr>
+          <p:cNvSpPr>
+            <a:spLocks noGrp="1"/>
+          </p:cNvSpPr>
+          <p:nvPr>
+            <p:ph type="title"/>
+          </p:nvPr>
+        </p:nvSpPr>
+        <p:spPr>
+          <a:xfrm>
+            <a:off x="838200" y="365125"/>
+            <a:ext cx="10515600" cy="633165"/>
+          </a:xfrm>
+        </p:spPr>
+        <p:txBody>
+          <a:bodyPr>
+            <a:normAutofit fontScale="90000"/>
+          </a:bodyPr>
+          <a:lstStyle/>
+          <a:p>
+            <a:r>
+              <a:rPr lang="nl-NL" dirty="0"/>
+              <a:t>Design Rationale - </a:t>
+            </a:r>
+          </a:p>
+        </p:txBody>
+      </p:sp>
+      <p:graphicFrame>
+        <p:nvGraphicFramePr>
+          <p:cNvPr id="4" name="Table 4">
+            <a:extLst>
+              <a:ext uri="{FF2B5EF4-FFF2-40B4-BE49-F238E27FC236}">
+                <a16:creationId xmlns:a16="http://schemas.microsoft.com/office/drawing/2014/main" id="{2E32A558-4F34-4533-BC1E-38A5CC25794C}"/>
+              </a:ext>
+            </a:extLst>
+          </p:cNvPr>
+          <p:cNvGraphicFramePr>
+            <a:graphicFrameLocks noGrp="1"/>
+          </p:cNvGraphicFramePr>
+          <p:nvPr>
+            <p:ph idx="1"/>
+            <p:extLst>
+              <p:ext uri="{D42A27DB-BD31-4B8C-83A1-F6EECF244321}">
+                <p14:modId xmlns:p14="http://schemas.microsoft.com/office/powerpoint/2010/main" val="680940986"/>
+              </p:ext>
+            </p:extLst>
+          </p:nvPr>
+        </p:nvGraphicFramePr>
+        <p:xfrm>
+          <a:off x="762698" y="1192459"/>
+          <a:ext cx="9044032" cy="5231509"/>
+        </p:xfrm>
+        <a:graphic>
+          <a:graphicData uri="http://schemas.openxmlformats.org/drawingml/2006/table">
+            <a:tbl>
+              <a:tblPr firstRow="1" bandRow="1">
+                <a:tableStyleId>{5C22544A-7EE6-4342-B048-85BDC9FD1C3A}</a:tableStyleId>
+              </a:tblPr>
+              <a:tblGrid>
+                <a:gridCol w="2819401">
+                  <a:extLst>
+                    <a:ext uri="{9D8B030D-6E8A-4147-A177-3AD203B41FA5}">
+                      <a16:colId xmlns:a16="http://schemas.microsoft.com/office/drawing/2014/main" val="2086367204"/>
+                    </a:ext>
+                  </a:extLst>
+                </a:gridCol>
+                <a:gridCol w="6224631">
+                  <a:extLst>
+                    <a:ext uri="{9D8B030D-6E8A-4147-A177-3AD203B41FA5}">
+                      <a16:colId xmlns:a16="http://schemas.microsoft.com/office/drawing/2014/main" val="2937690220"/>
+                    </a:ext>
+                  </a:extLst>
+                </a:gridCol>
+              </a:tblGrid>
+              <a:tr h="750949">
+                <a:tc>
+                  <a:txBody>
+                    <a:bodyPr/>
+                    <a:lstStyle/>
+                    <a:p>
+                      <a:r>
+                        <a:rPr lang="nl-NL" dirty="0"/>
+                        <a:t>Functional Requirement</a:t>
+                      </a:r>
+                    </a:p>
+                  </a:txBody>
+                  <a:tcPr/>
+                </a:tc>
+                <a:tc>
+                  <a:txBody>
+                    <a:bodyPr/>
+                    <a:lstStyle/>
+                    <a:p>
+                      <a:r>
+                        <a:rPr lang="nl-NL" dirty="0"/>
+                        <a:t>Design Decision</a:t>
+                      </a:r>
+                    </a:p>
+                  </a:txBody>
+                  <a:tcPr/>
+                </a:tc>
+                <a:extLst>
+                  <a:ext uri="{0D108BD9-81ED-4DB2-BD59-A6C34878D82A}">
+                    <a16:rowId xmlns:a16="http://schemas.microsoft.com/office/drawing/2014/main" val="3353036980"/>
+                  </a:ext>
+                </a:extLst>
+              </a:tr>
+              <a:tr h="435074">
+                <a:tc>
+                  <a:txBody>
+                    <a:bodyPr/>
+                    <a:lstStyle/>
+                    <a:p>
+                      <a:r>
+                        <a:rPr lang="nl-NL" dirty="0"/>
+                        <a:t>High available infrastructure</a:t>
+                      </a:r>
+                    </a:p>
+                  </a:txBody>
+                  <a:tcPr/>
+                </a:tc>
+                <a:tc>
+                  <a:txBody>
+                    <a:bodyPr/>
+                    <a:lstStyle/>
+                    <a:p>
+                      <a:pPr marL="171450" indent="-171450">
+                        <a:buFont typeface="Arial" panose="020B0604020202020204" pitchFamily="34" charset="0"/>
+                        <a:buChar char="•"/>
+                      </a:pPr>
+                      <a:r>
+                        <a:rPr lang="nl-NL" sz="1200" dirty="0"/>
+                        <a:t>Make use of multiple web application resources in different regions for high availability in case one of the Microsoft data center region goes donw.</a:t>
+                      </a:r>
+                    </a:p>
+                    <a:p>
+                      <a:pPr marL="171450" indent="-171450">
+                        <a:buFont typeface="Arial" panose="020B0604020202020204" pitchFamily="34" charset="0"/>
+                        <a:buChar char="•"/>
+                      </a:pPr>
+                      <a:r>
+                        <a:rPr lang="nl-NL" sz="1200" dirty="0"/>
+                        <a:t>Configure failover mechanism for database server</a:t>
+                      </a:r>
+                    </a:p>
+                    <a:p>
+                      <a:pPr marL="171450" indent="-171450">
+                        <a:buFont typeface="Arial" panose="020B0604020202020204" pitchFamily="34" charset="0"/>
+                        <a:buChar char="•"/>
+                      </a:pPr>
+                      <a:r>
+                        <a:rPr lang="nl-NL" sz="1200" dirty="0"/>
+                        <a:t>Use PaaS resoures, Microsoft guarantees 99.99% SLA</a:t>
+                      </a:r>
+                    </a:p>
+                  </a:txBody>
+                  <a:tcPr/>
+                </a:tc>
+                <a:extLst>
+                  <a:ext uri="{0D108BD9-81ED-4DB2-BD59-A6C34878D82A}">
+                    <a16:rowId xmlns:a16="http://schemas.microsoft.com/office/drawing/2014/main" val="2805783505"/>
+                  </a:ext>
+                </a:extLst>
+              </a:tr>
+              <a:tr h="435074">
+                <a:tc>
+                  <a:txBody>
+                    <a:bodyPr/>
+                    <a:lstStyle/>
+                    <a:p>
+                      <a:r>
+                        <a:rPr lang="nl-NL" dirty="0"/>
+                        <a:t>Scalable to handle peak loads</a:t>
+                      </a:r>
+                    </a:p>
+                  </a:txBody>
+                  <a:tcPr/>
+                </a:tc>
+                <a:tc>
+                  <a:txBody>
+                    <a:bodyPr/>
+                    <a:lstStyle/>
+                    <a:p>
+                      <a:pPr marL="171450" indent="-171450">
+                        <a:buFont typeface="Arial" panose="020B0604020202020204" pitchFamily="34" charset="0"/>
+                        <a:buChar char="•"/>
+                      </a:pPr>
+                      <a:r>
+                        <a:rPr lang="nl-NL" sz="1200" dirty="0"/>
+                        <a:t>Set upscaling rules at web app to handle the peak and variable loads</a:t>
+                      </a:r>
+                    </a:p>
+                    <a:p>
+                      <a:pPr marL="171450" indent="-171450">
+                        <a:buFont typeface="Arial" panose="020B0604020202020204" pitchFamily="34" charset="0"/>
+                        <a:buChar char="•"/>
+                      </a:pPr>
+                      <a:r>
+                        <a:rPr lang="nl-NL" sz="1200" dirty="0"/>
+                        <a:t>In case of under utilization of web application, create the scale-down  rules to save the cost</a:t>
+                      </a:r>
+                    </a:p>
+                  </a:txBody>
+                  <a:tcPr/>
+                </a:tc>
+                <a:extLst>
+                  <a:ext uri="{0D108BD9-81ED-4DB2-BD59-A6C34878D82A}">
+                    <a16:rowId xmlns:a16="http://schemas.microsoft.com/office/drawing/2014/main" val="1216197976"/>
+                  </a:ext>
+                </a:extLst>
+              </a:tr>
+              <a:tr h="435074">
+                <a:tc>
+                  <a:txBody>
+                    <a:bodyPr/>
+                    <a:lstStyle/>
+                    <a:p>
+                      <a:r>
+                        <a:rPr lang="nl-NL" dirty="0"/>
+                        <a:t>Support for back up and restore</a:t>
+                      </a:r>
+                    </a:p>
+                  </a:txBody>
+                  <a:tcPr/>
+                </a:tc>
+                <a:tc>
+                  <a:txBody>
+                    <a:bodyPr/>
+                    <a:lstStyle/>
+                    <a:p>
+                      <a:pPr marL="171450" indent="-171450">
+                        <a:buFont typeface="Arial" panose="020B0604020202020204" pitchFamily="34" charset="0"/>
+                        <a:buChar char="•"/>
+                      </a:pPr>
+                      <a:r>
+                        <a:rPr lang="nl-NL" sz="1200" dirty="0"/>
+                        <a:t>Use PaaS services which are fully managed resources by Microsoft with automatic scheduled backup</a:t>
+                      </a:r>
+                    </a:p>
+                    <a:p>
+                      <a:pPr marL="171450" indent="-171450">
+                        <a:buFont typeface="Arial" panose="020B0604020202020204" pitchFamily="34" charset="0"/>
+                        <a:buChar char="•"/>
+                      </a:pPr>
+                      <a:r>
+                        <a:rPr lang="nl-NL" sz="1200" dirty="0"/>
+                        <a:t>Setup retention period of 3 years</a:t>
+                      </a:r>
+                    </a:p>
+                  </a:txBody>
+                  <a:tcPr/>
+                </a:tc>
+                <a:extLst>
+                  <a:ext uri="{0D108BD9-81ED-4DB2-BD59-A6C34878D82A}">
+                    <a16:rowId xmlns:a16="http://schemas.microsoft.com/office/drawing/2014/main" val="2998935052"/>
+                  </a:ext>
+                </a:extLst>
+              </a:tr>
+              <a:tr h="435074">
+                <a:tc>
+                  <a:txBody>
+                    <a:bodyPr/>
+                    <a:lstStyle/>
+                    <a:p>
+                      <a:r>
+                        <a:rPr lang="nl-NL" dirty="0"/>
+                        <a:t>Monitoring of infrastructure and application</a:t>
+                      </a:r>
+                    </a:p>
+                  </a:txBody>
+                  <a:tcPr/>
+                </a:tc>
+                <a:tc>
+                  <a:txBody>
+                    <a:bodyPr/>
+                    <a:lstStyle/>
+                    <a:p>
+                      <a:pPr marL="171450" indent="-171450">
+                        <a:buFont typeface="Arial" panose="020B0604020202020204" pitchFamily="34" charset="0"/>
+                        <a:buChar char="•"/>
+                      </a:pPr>
+                      <a:r>
+                        <a:rPr lang="nl-NL" sz="1200" dirty="0"/>
+                        <a:t>Use Application Insights to actively monitor web application traffic, availability, logs</a:t>
+                      </a:r>
+                    </a:p>
+                    <a:p>
+                      <a:pPr marL="171450" indent="-171450">
+                        <a:buFont typeface="Arial" panose="020B0604020202020204" pitchFamily="34" charset="0"/>
+                        <a:buChar char="•"/>
+                      </a:pPr>
+                      <a:r>
+                        <a:rPr lang="nl-NL" sz="1200" dirty="0"/>
+                        <a:t>Use Log Analytics workspace for resource telemtery, metrics and logs</a:t>
+                      </a:r>
+                    </a:p>
+                  </a:txBody>
+                  <a:tcPr/>
+                </a:tc>
+                <a:extLst>
+                  <a:ext uri="{0D108BD9-81ED-4DB2-BD59-A6C34878D82A}">
+                    <a16:rowId xmlns:a16="http://schemas.microsoft.com/office/drawing/2014/main" val="2407280542"/>
+                  </a:ext>
+                </a:extLst>
+              </a:tr>
+              <a:tr h="435074">
+                <a:tc>
+                  <a:txBody>
+                    <a:bodyPr/>
+                    <a:lstStyle/>
+                    <a:p>
+                      <a:r>
+                        <a:rPr lang="nl-NL" dirty="0"/>
+                        <a:t>Security</a:t>
+                      </a:r>
+                    </a:p>
+                  </a:txBody>
+                  <a:tcPr/>
+                </a:tc>
+                <a:tc>
+                  <a:txBody>
+                    <a:bodyPr/>
+                    <a:lstStyle/>
+                    <a:p>
+                      <a:pPr marL="171450" indent="-171450">
+                        <a:buFont typeface="Arial" panose="020B0604020202020204" pitchFamily="34" charset="0"/>
+                        <a:buChar char="•"/>
+                      </a:pPr>
+                      <a:r>
+                        <a:rPr lang="nl-NL" sz="1200" dirty="0"/>
+                        <a:t>For application security, use Frontdoor service which is global service for multi-region web applications</a:t>
+                      </a:r>
+                    </a:p>
+                    <a:p>
+                      <a:pPr marL="171450" indent="-171450">
+                        <a:buFont typeface="Arial" panose="020B0604020202020204" pitchFamily="34" charset="0"/>
+                        <a:buChar char="•"/>
+                      </a:pPr>
+                      <a:r>
+                        <a:rPr lang="nl-NL" sz="1200" dirty="0"/>
+                        <a:t>Use Frontdoor with WAF configuration, it helps to prevent attacks on internet facing web application</a:t>
+                      </a:r>
+                    </a:p>
+                    <a:p>
+                      <a:pPr marL="171450" indent="-171450">
+                        <a:buFont typeface="Arial" panose="020B0604020202020204" pitchFamily="34" charset="0"/>
+                        <a:buChar char="•"/>
+                      </a:pPr>
+                      <a:r>
+                        <a:rPr lang="nl-NL" sz="1200" dirty="0"/>
+                        <a:t>Turn on the load balacing intelligent routign with maximum traffic to primary region</a:t>
+                      </a:r>
+                    </a:p>
+                    <a:p>
+                      <a:pPr marL="171450" indent="-171450">
+                        <a:buFont typeface="Arial" panose="020B0604020202020204" pitchFamily="34" charset="0"/>
+                        <a:buChar char="•"/>
+                      </a:pPr>
+                      <a:r>
+                        <a:rPr lang="nl-NL" sz="1200" dirty="0"/>
+                        <a:t>Setup firewal rules on database server to allow traffic from web application endpoints only</a:t>
+                      </a:r>
+                    </a:p>
+                    <a:p>
+                      <a:pPr marL="171450" indent="-171450">
+                        <a:buFont typeface="Arial" panose="020B0604020202020204" pitchFamily="34" charset="0"/>
+                        <a:buChar char="•"/>
+                      </a:pPr>
+                      <a:r>
+                        <a:rPr lang="nl-NL" sz="1200"/>
+                        <a:t>Set up network rule on web application to allow traffic from Frontdoor only thus disable &lt;hostname&gt;.azurewebsites.net host</a:t>
+                      </a:r>
+                      <a:endParaRPr lang="nl-NL" sz="1200" dirty="0"/>
+                    </a:p>
+                    <a:p>
+                      <a:pPr marL="171450" indent="-171450">
+                        <a:buFont typeface="Arial" panose="020B0604020202020204" pitchFamily="34" charset="0"/>
+                        <a:buChar char="•"/>
+                      </a:pPr>
+                      <a:endParaRPr lang="nl-NL" sz="1200" dirty="0"/>
+                    </a:p>
+                  </a:txBody>
+                  <a:tcPr/>
+                </a:tc>
+                <a:extLst>
+                  <a:ext uri="{0D108BD9-81ED-4DB2-BD59-A6C34878D82A}">
+                    <a16:rowId xmlns:a16="http://schemas.microsoft.com/office/drawing/2014/main" val="2397497486"/>
+                  </a:ext>
+                </a:extLst>
+              </a:tr>
+            </a:tbl>
+          </a:graphicData>
+        </a:graphic>
+      </p:graphicFrame>
+    </p:spTree>
+    <p:extLst>
+      <p:ext uri="{BB962C8B-B14F-4D97-AF65-F5344CB8AC3E}">
+        <p14:creationId xmlns:p14="http://schemas.microsoft.com/office/powerpoint/2010/main" val="2659240142"/>
+      </p:ext>
+    </p:extLst>
+  </p:cSld>
+  <p:clrMapOvr>
+    <a:overrideClrMapping bg1="lt1" tx1="dk1" bg2="lt2" tx2="dk2" accent1="accent1" accent2="accent2" accent3="accent3" accent4="accent4" accent5="accent5" accent6="accent6" hlink="hlink" folHlink="folHlink"/>
+  </p:clrMapOvr>
+</p:sld>
+</file>
+
+<file path=ppt/slides/slide7.xml><?xml version="1.0" encoding="utf-8"?>
+<p:sld xmlns:a="http://schemas.openxmlformats.org/drawingml/2006/main" xmlns:r="http://schemas.openxmlformats.org/officeDocument/2006/relationships" xmlns:p="http://schemas.openxmlformats.org/presentationml/2006/main">
+  <p:cSld>
+    <p:bg>
+      <p:bgPr>
+        <a:gradFill>
+          <a:gsLst>
+            <a:gs pos="14000">
+              <a:schemeClr val="accent1">
+                <a:lumMod val="5000"/>
+                <a:lumOff val="95000"/>
+              </a:schemeClr>
+            </a:gs>
+            <a:gs pos="74000">
+              <a:schemeClr val="accent1">
+                <a:lumMod val="45000"/>
+                <a:lumOff val="55000"/>
+              </a:schemeClr>
+            </a:gs>
+            <a:gs pos="83000">
+              <a:schemeClr val="accent1">
+                <a:lumMod val="45000"/>
+                <a:lumOff val="55000"/>
+              </a:schemeClr>
+            </a:gs>
+            <a:gs pos="100000">
+              <a:schemeClr val="accent1">
+                <a:lumMod val="30000"/>
+                <a:lumOff val="70000"/>
+              </a:schemeClr>
+            </a:gs>
+          </a:gsLst>
+          <a:lin ang="5400000" scaled="1"/>
+        </a:gradFill>
+        <a:effectLst/>
+      </p:bgPr>
+    </p:bg>
+    <p:spTree>
+      <p:nvGrpSpPr>
+        <p:cNvPr id="1" name=""/>
+        <p:cNvGrpSpPr/>
+        <p:nvPr/>
+      </p:nvGrpSpPr>
+      <p:grpSpPr>
+        <a:xfrm>
+          <a:off x="0" y="0"/>
+          <a:ext cx="0" cy="0"/>
+          <a:chOff x="0" y="0"/>
+          <a:chExt cx="0" cy="0"/>
+        </a:xfrm>
+      </p:grpSpPr>
+      <p:sp>
+        <p:nvSpPr>
+          <p:cNvPr id="2" name="Title 1">
+            <a:extLst>
+              <a:ext uri="{FF2B5EF4-FFF2-40B4-BE49-F238E27FC236}">
+                <a16:creationId xmlns:a16="http://schemas.microsoft.com/office/drawing/2014/main" id="{09ED5F53-F99A-4010-B161-C3CE08DC94E5}"/>
+              </a:ext>
+            </a:extLst>
+          </p:cNvPr>
+          <p:cNvSpPr>
+            <a:spLocks noGrp="1"/>
+          </p:cNvSpPr>
+          <p:nvPr>
+            <p:ph type="title"/>
+          </p:nvPr>
+        </p:nvSpPr>
+        <p:spPr>
+          <a:xfrm>
+            <a:off x="838200" y="365125"/>
+            <a:ext cx="10515600" cy="633165"/>
+          </a:xfrm>
+        </p:spPr>
+        <p:txBody>
+          <a:bodyPr>
+            <a:normAutofit fontScale="90000"/>
+          </a:bodyPr>
+          <a:lstStyle/>
+          <a:p>
+            <a:r>
+              <a:rPr lang="nl-NL" dirty="0"/>
+              <a:t>Design Rationale - </a:t>
+            </a:r>
+          </a:p>
+        </p:txBody>
+      </p:sp>
+      <p:graphicFrame>
+        <p:nvGraphicFramePr>
+          <p:cNvPr id="4" name="Table 4">
+            <a:extLst>
+              <a:ext uri="{FF2B5EF4-FFF2-40B4-BE49-F238E27FC236}">
+                <a16:creationId xmlns:a16="http://schemas.microsoft.com/office/drawing/2014/main" id="{2E32A558-4F34-4533-BC1E-38A5CC25794C}"/>
+              </a:ext>
+            </a:extLst>
+          </p:cNvPr>
+          <p:cNvGraphicFramePr>
+            <a:graphicFrameLocks noGrp="1"/>
+          </p:cNvGraphicFramePr>
+          <p:nvPr>
+            <p:ph idx="1"/>
+            <p:extLst>
+              <p:ext uri="{D42A27DB-BD31-4B8C-83A1-F6EECF244321}">
+                <p14:modId xmlns:p14="http://schemas.microsoft.com/office/powerpoint/2010/main" val="2333534545"/>
+              </p:ext>
+            </p:extLst>
+          </p:nvPr>
+        </p:nvGraphicFramePr>
+        <p:xfrm>
+          <a:off x="754309" y="1192459"/>
+          <a:ext cx="9044032" cy="2305429"/>
+        </p:xfrm>
+        <a:graphic>
+          <a:graphicData uri="http://schemas.openxmlformats.org/drawingml/2006/table">
+            <a:tbl>
+              <a:tblPr firstRow="1" bandRow="1">
+                <a:tableStyleId>{5C22544A-7EE6-4342-B048-85BDC9FD1C3A}</a:tableStyleId>
+              </a:tblPr>
+              <a:tblGrid>
+                <a:gridCol w="2819401">
+                  <a:extLst>
+                    <a:ext uri="{9D8B030D-6E8A-4147-A177-3AD203B41FA5}">
+                      <a16:colId xmlns:a16="http://schemas.microsoft.com/office/drawing/2014/main" val="2086367204"/>
+                    </a:ext>
+                  </a:extLst>
+                </a:gridCol>
+                <a:gridCol w="6224631">
+                  <a:extLst>
+                    <a:ext uri="{9D8B030D-6E8A-4147-A177-3AD203B41FA5}">
+                      <a16:colId xmlns:a16="http://schemas.microsoft.com/office/drawing/2014/main" val="2937690220"/>
+                    </a:ext>
+                  </a:extLst>
+                </a:gridCol>
+              </a:tblGrid>
+              <a:tr h="750949">
+                <a:tc>
+                  <a:txBody>
+                    <a:bodyPr/>
+                    <a:lstStyle/>
+                    <a:p>
+                      <a:r>
+                        <a:rPr lang="nl-NL" dirty="0"/>
+                        <a:t>Non-functional Requirement</a:t>
+                      </a:r>
+                    </a:p>
+                  </a:txBody>
+                  <a:tcPr/>
+                </a:tc>
+                <a:tc>
+                  <a:txBody>
+                    <a:bodyPr/>
+                    <a:lstStyle/>
+                    <a:p>
+                      <a:r>
+                        <a:rPr lang="nl-NL" dirty="0"/>
+                        <a:t>Design Decision</a:t>
+                      </a:r>
+                    </a:p>
+                  </a:txBody>
+                  <a:tcPr/>
+                </a:tc>
+                <a:extLst>
+                  <a:ext uri="{0D108BD9-81ED-4DB2-BD59-A6C34878D82A}">
+                    <a16:rowId xmlns:a16="http://schemas.microsoft.com/office/drawing/2014/main" val="3353036980"/>
+                  </a:ext>
+                </a:extLst>
+              </a:tr>
+              <a:tr h="435074">
+                <a:tc>
+                  <a:txBody>
+                    <a:bodyPr/>
+                    <a:lstStyle/>
+                    <a:p>
+                      <a:r>
+                        <a:rPr lang="nl-NL" dirty="0"/>
+                        <a:t>Ease of deployment</a:t>
+                      </a:r>
+                    </a:p>
+                  </a:txBody>
+                  <a:tcPr/>
+                </a:tc>
+                <a:tc>
+                  <a:txBody>
+                    <a:bodyPr/>
+                    <a:lstStyle/>
+                    <a:p>
+                      <a:pPr marL="171450" indent="-171450">
+                        <a:buFont typeface="Arial" panose="020B0604020202020204" pitchFamily="34" charset="0"/>
+                        <a:buChar char="•"/>
+                      </a:pPr>
+                      <a:r>
+                        <a:rPr lang="nl-NL" sz="1200" dirty="0"/>
+                        <a:t>Use Infrastructure As Code to provision resources across DTAP</a:t>
+                      </a:r>
+                    </a:p>
+                    <a:p>
+                      <a:pPr marL="171450" indent="-171450">
+                        <a:buFont typeface="Arial" panose="020B0604020202020204" pitchFamily="34" charset="0"/>
+                        <a:buChar char="•"/>
+                      </a:pPr>
+                      <a:r>
+                        <a:rPr lang="nl-NL" sz="1200" dirty="0"/>
+                        <a:t>Use YAML pipelines in Azure DevOps to secure CI/CD way of working </a:t>
+                      </a:r>
+                    </a:p>
+                  </a:txBody>
+                  <a:tcPr/>
+                </a:tc>
+                <a:extLst>
+                  <a:ext uri="{0D108BD9-81ED-4DB2-BD59-A6C34878D82A}">
+                    <a16:rowId xmlns:a16="http://schemas.microsoft.com/office/drawing/2014/main" val="2805783505"/>
+                  </a:ext>
+                </a:extLst>
+              </a:tr>
+              <a:tr h="435074">
+                <a:tc>
+                  <a:txBody>
+                    <a:bodyPr/>
+                    <a:lstStyle/>
+                    <a:p>
+                      <a:r>
+                        <a:rPr lang="nl-NL" dirty="0"/>
+                        <a:t>Single-sign-on</a:t>
+                      </a:r>
+                    </a:p>
+                  </a:txBody>
+                  <a:tcPr/>
+                </a:tc>
+                <a:tc>
+                  <a:txBody>
+                    <a:bodyPr/>
+                    <a:lstStyle/>
+                    <a:p>
+                      <a:pPr marL="171450" indent="-171450">
+                        <a:buFont typeface="Arial" panose="020B0604020202020204" pitchFamily="34" charset="0"/>
+                        <a:buChar char="•"/>
+                      </a:pPr>
+                      <a:r>
+                        <a:rPr lang="nl-NL" sz="1200" dirty="0"/>
+                        <a:t>Use Azure Active Directory for single sign-on</a:t>
+                      </a:r>
+                    </a:p>
+                    <a:p>
+                      <a:pPr marL="171450" indent="-171450">
+                        <a:buFont typeface="Arial" panose="020B0604020202020204" pitchFamily="34" charset="0"/>
+                        <a:buChar char="•"/>
+                      </a:pPr>
+                      <a:r>
+                        <a:rPr lang="nl-NL" sz="1200" dirty="0"/>
+                        <a:t>Remove user management code from application and outsource it to AAD</a:t>
+                      </a:r>
+                    </a:p>
+                  </a:txBody>
+                  <a:tcPr/>
+                </a:tc>
+                <a:extLst>
+                  <a:ext uri="{0D108BD9-81ED-4DB2-BD59-A6C34878D82A}">
+                    <a16:rowId xmlns:a16="http://schemas.microsoft.com/office/drawing/2014/main" val="1216197976"/>
+                  </a:ext>
+                </a:extLst>
+              </a:tr>
+              <a:tr h="435074">
+                <a:tc>
+                  <a:txBody>
+                    <a:bodyPr/>
+                    <a:lstStyle/>
+                    <a:p>
+                      <a:r>
+                        <a:rPr lang="nl-NL" dirty="0"/>
+                        <a:t>Cost</a:t>
+                      </a:r>
+                    </a:p>
+                  </a:txBody>
+                  <a:tcPr/>
+                </a:tc>
+                <a:tc>
+                  <a:txBody>
+                    <a:bodyPr/>
+                    <a:lstStyle/>
+                    <a:p>
+                      <a:pPr marL="171450" indent="-171450">
+                        <a:buFont typeface="Arial" panose="020B0604020202020204" pitchFamily="34" charset="0"/>
+                        <a:buChar char="•"/>
+                      </a:pPr>
+                      <a:r>
+                        <a:rPr lang="nl-NL" sz="1200" dirty="0"/>
+                        <a:t>Use AAD, Frontdoor, Log Analytics as shared services across multiple applications</a:t>
+                      </a:r>
+                    </a:p>
+                    <a:p>
+                      <a:pPr marL="171450" marR="0" lvl="0" indent="-171450" algn="l" defTabSz="914400" rtl="0" eaLnBrk="1" fontAlgn="auto" latinLnBrk="0" hangingPunct="1">
+                        <a:lnSpc>
+                          <a:spcPct val="100000"/>
+                        </a:lnSpc>
+                        <a:spcBef>
+                          <a:spcPts val="0"/>
+                        </a:spcBef>
+                        <a:spcAft>
+                          <a:spcPts val="0"/>
+                        </a:spcAft>
+                        <a:buClrTx/>
+                        <a:buSzTx/>
+                        <a:buFont typeface="Arial" panose="020B0604020202020204" pitchFamily="34" charset="0"/>
+                        <a:buChar char="•"/>
+                        <a:tabLst/>
+                        <a:defRPr/>
+                      </a:pPr>
+                      <a:r>
+                        <a:rPr lang="nl-NL" sz="1200" dirty="0"/>
+                        <a:t>Wisely use the scaling rules to minimize application cost</a:t>
+                      </a:r>
+                    </a:p>
+                    <a:p>
+                      <a:pPr marL="171450" indent="-171450">
+                        <a:buFont typeface="Arial" panose="020B0604020202020204" pitchFamily="34" charset="0"/>
+                        <a:buChar char="•"/>
+                      </a:pPr>
+                      <a:r>
+                        <a:rPr lang="nl-NL" sz="1200" dirty="0"/>
+                        <a:t>Use appropriate tags (e.g. Cost center, owner)on resource group to charge back the cost</a:t>
+                      </a:r>
+                    </a:p>
+                  </a:txBody>
+                  <a:tcPr/>
+                </a:tc>
+                <a:extLst>
+                  <a:ext uri="{0D108BD9-81ED-4DB2-BD59-A6C34878D82A}">
+                    <a16:rowId xmlns:a16="http://schemas.microsoft.com/office/drawing/2014/main" val="2998935052"/>
+                  </a:ext>
+                </a:extLst>
+              </a:tr>
+            </a:tbl>
+          </a:graphicData>
+        </a:graphic>
+      </p:graphicFrame>
+    </p:spTree>
+    <p:extLst>
+      <p:ext uri="{BB962C8B-B14F-4D97-AF65-F5344CB8AC3E}">
+        <p14:creationId xmlns:p14="http://schemas.microsoft.com/office/powerpoint/2010/main" val="1507216172"/>
+      </p:ext>
+    </p:extLst>
+  </p:cSld>
+  <p:clrMapOvr>
+    <a:overrideClrMapping bg1="lt1" tx1="dk1" bg2="lt2" tx2="dk2" accent1="accent1" accent2="accent2" accent3="accent3" accent4="accent4" accent5="accent5" accent6="accent6" hlink="hlink" folHlink="folHlink"/>
+  </p:clrMapOvr>
+</p:sld>
+</file>
+
+<file path=ppt/slides/slide8.xml><?xml version="1.0" encoding="utf-8"?>
 <p:sld xmlns:a="http://schemas.openxmlformats.org/drawingml/2006/main" xmlns:r="http://schemas.openxmlformats.org/officeDocument/2006/relationships" xmlns:p="http://schemas.openxmlformats.org/presentationml/2006/main">
   <p:cSld>
     <p:bg>
@@ -7981,6 +9033,92 @@
 </a:themeOverride>
 </file>
 
+<file path=ppt/theme/themeOverride6.xml><?xml version="1.0" encoding="utf-8"?>
+<a:themeOverride xmlns:a="http://schemas.openxmlformats.org/drawingml/2006/main">
+  <a:clrScheme name="Office">
+    <a:dk1>
+      <a:sysClr val="windowText" lastClr="000000"/>
+    </a:dk1>
+    <a:lt1>
+      <a:sysClr val="window" lastClr="FFFFFF"/>
+    </a:lt1>
+    <a:dk2>
+      <a:srgbClr val="44546A"/>
+    </a:dk2>
+    <a:lt2>
+      <a:srgbClr val="E7E6E6"/>
+    </a:lt2>
+    <a:accent1>
+      <a:srgbClr val="4472C4"/>
+    </a:accent1>
+    <a:accent2>
+      <a:srgbClr val="ED7D31"/>
+    </a:accent2>
+    <a:accent3>
+      <a:srgbClr val="A5A5A5"/>
+    </a:accent3>
+    <a:accent4>
+      <a:srgbClr val="FFC000"/>
+    </a:accent4>
+    <a:accent5>
+      <a:srgbClr val="5B9BD5"/>
+    </a:accent5>
+    <a:accent6>
+      <a:srgbClr val="70AD47"/>
+    </a:accent6>
+    <a:hlink>
+      <a:srgbClr val="0563C1"/>
+    </a:hlink>
+    <a:folHlink>
+      <a:srgbClr val="954F72"/>
+    </a:folHlink>
+  </a:clrScheme>
+</a:themeOverride>
+</file>
+
+<file path=ppt/theme/themeOverride7.xml><?xml version="1.0" encoding="utf-8"?>
+<a:themeOverride xmlns:a="http://schemas.openxmlformats.org/drawingml/2006/main">
+  <a:clrScheme name="Office">
+    <a:dk1>
+      <a:sysClr val="windowText" lastClr="000000"/>
+    </a:dk1>
+    <a:lt1>
+      <a:sysClr val="window" lastClr="FFFFFF"/>
+    </a:lt1>
+    <a:dk2>
+      <a:srgbClr val="44546A"/>
+    </a:dk2>
+    <a:lt2>
+      <a:srgbClr val="E7E6E6"/>
+    </a:lt2>
+    <a:accent1>
+      <a:srgbClr val="4472C4"/>
+    </a:accent1>
+    <a:accent2>
+      <a:srgbClr val="ED7D31"/>
+    </a:accent2>
+    <a:accent3>
+      <a:srgbClr val="A5A5A5"/>
+    </a:accent3>
+    <a:accent4>
+      <a:srgbClr val="FFC000"/>
+    </a:accent4>
+    <a:accent5>
+      <a:srgbClr val="5B9BD5"/>
+    </a:accent5>
+    <a:accent6>
+      <a:srgbClr val="70AD47"/>
+    </a:accent6>
+    <a:hlink>
+      <a:srgbClr val="0563C1"/>
+    </a:hlink>
+    <a:folHlink>
+      <a:srgbClr val="954F72"/>
+    </a:folHlink>
+  </a:clrScheme>
+</a:themeOverride>
+</file>
+
 <file path=customXml/item1.xml><?xml version="1.0" encoding="utf-8"?>
 <ct:contentTypeSchema xmlns:ct="http://schemas.microsoft.com/office/2006/metadata/contentType" xmlns:ma="http://schemas.microsoft.com/office/2006/metadata/properties/metaAttributes" ct:_="" ma:_="" ma:contentTypeName="Document" ma:contentTypeID="0x010100D51C8E008ADD504384404C9E3E99B7EB" ma:contentTypeVersion="10" ma:contentTypeDescription="Create a new document." ma:contentTypeScope="" ma:versionID="8c4373961c0831170a61a8106b8bd466">
   <xsd:schema xmlns:xsd="http://www.w3.org/2001/XMLSchema" xmlns:xs="http://www.w3.org/2001/XMLSchema" xmlns:p="http://schemas.microsoft.com/office/2006/metadata/properties" xmlns:ns3="9ac6d3fa-e392-431b-b9b0-b371ac6fcc4b" xmlns:ns4="e43dcf83-6b49-4140-93f1-162dddd7ee38" targetNamespace="http://schemas.microsoft.com/office/2006/metadata/properties" ma:root="true" ma:fieldsID="fe446e04f8a12cf8a23ebc1d9dbc4fc7" ns3:_="" ns4:_="">
